--- a/Final Project Presentation.pptx
+++ b/Final Project Presentation.pptx
@@ -2416,7 +2416,7 @@
 <dgm:dataModel xmlns:dgm="http://schemas.openxmlformats.org/drawingml/2006/diagram" xmlns:a="http://schemas.openxmlformats.org/drawingml/2006/main">
   <dgm:ptLst>
     <dgm:pt modelId="{B1DCA7DD-B21F-4E30-81ED-0988C8C1364B}" type="doc">
-      <dgm:prSet loTypeId="urn:microsoft.com/office/officeart/2005/8/layout/vList2" loCatId="list" qsTypeId="urn:microsoft.com/office/officeart/2005/8/quickstyle/simple5" qsCatId="simple" csTypeId="urn:microsoft.com/office/officeart/2005/8/colors/colorful5" csCatId="colorful"/>
+      <dgm:prSet loTypeId="urn:microsoft.com/office/officeart/2005/8/layout/default" loCatId="list" qsTypeId="urn:microsoft.com/office/officeart/2005/8/quickstyle/simple5" qsCatId="simple" csTypeId="urn:microsoft.com/office/officeart/2005/8/colors/colorful5" csCatId="colorful"/>
       <dgm:spPr/>
       <dgm:t>
         <a:bodyPr/>
@@ -2606,14 +2606,18 @@
         <a:lstStyle/>
         <a:p>
           <a:r>
-            <a:rPr lang="en-US" b="1" i="0" baseline="0"/>
-            <a:t>LangChain Framework:</a:t>
+            <a:rPr lang="en-US" b="1" i="0" baseline="0" dirty="0" err="1"/>
+            <a:t>LangChain</a:t>
           </a:r>
           <a:r>
-            <a:rPr lang="en-US" b="0" i="0" baseline="0"/>
+            <a:rPr lang="en-US" b="1" i="0" baseline="0" dirty="0"/>
+            <a:t> Framework:</a:t>
+          </a:r>
+          <a:r>
+            <a:rPr lang="en-US" b="0" i="0" baseline="0" dirty="0"/>
             <a:t> Seamlessly integrates agents, tools, and memory.</a:t>
           </a:r>
-          <a:endParaRPr lang="en-US"/>
+          <a:endParaRPr lang="en-US" dirty="0"/>
         </a:p>
       </dgm:t>
     </dgm:pt>
@@ -2774,110 +2778,102 @@
         </a:p>
       </dgm:t>
     </dgm:pt>
-    <dgm:pt modelId="{79377DC2-F9C5-478F-9A2F-C1F73E6C3914}" type="pres">
-      <dgm:prSet presAssocID="{B1DCA7DD-B21F-4E30-81ED-0988C8C1364B}" presName="linear" presStyleCnt="0">
+    <dgm:pt modelId="{6D263144-6761-43E7-B113-829A7BA330C1}" type="pres">
+      <dgm:prSet presAssocID="{B1DCA7DD-B21F-4E30-81ED-0988C8C1364B}" presName="diagram" presStyleCnt="0">
         <dgm:presLayoutVars>
-          <dgm:animLvl val="lvl"/>
+          <dgm:dir/>
           <dgm:resizeHandles val="exact"/>
         </dgm:presLayoutVars>
       </dgm:prSet>
       <dgm:spPr/>
     </dgm:pt>
-    <dgm:pt modelId="{F0BB9A90-B10E-49EA-9AA1-14373E51514D}" type="pres">
-      <dgm:prSet presAssocID="{A424819D-F4FA-4551-A65B-FBA823A096D9}" presName="parentText" presStyleLbl="node1" presStyleIdx="0" presStyleCnt="8">
+    <dgm:pt modelId="{3DA826A8-B880-495C-A807-B9CB03155FC4}" type="pres">
+      <dgm:prSet presAssocID="{A424819D-F4FA-4551-A65B-FBA823A096D9}" presName="node" presStyleLbl="node1" presStyleIdx="0" presStyleCnt="8">
         <dgm:presLayoutVars>
-          <dgm:chMax val="0"/>
           <dgm:bulletEnabled val="1"/>
         </dgm:presLayoutVars>
       </dgm:prSet>
       <dgm:spPr/>
     </dgm:pt>
-    <dgm:pt modelId="{B90260BF-DA3C-482C-883C-FAECE9E948AC}" type="pres">
-      <dgm:prSet presAssocID="{B4EF42E5-59D2-4F61-B78F-F5FB1FF69F72}" presName="spacer" presStyleCnt="0"/>
+    <dgm:pt modelId="{5C777A1C-5C25-4393-8BAD-64E61720E6BA}" type="pres">
+      <dgm:prSet presAssocID="{B4EF42E5-59D2-4F61-B78F-F5FB1FF69F72}" presName="sibTrans" presStyleCnt="0"/>
       <dgm:spPr/>
     </dgm:pt>
-    <dgm:pt modelId="{6FA9F7A0-99C5-4484-9790-886B77B9D0AF}" type="pres">
-      <dgm:prSet presAssocID="{DD3547DB-B9E5-4F4B-A60A-EAB6BCFC1362}" presName="parentText" presStyleLbl="node1" presStyleIdx="1" presStyleCnt="8">
+    <dgm:pt modelId="{D60DFEA9-A213-44BD-8651-1FD33ADA3C93}" type="pres">
+      <dgm:prSet presAssocID="{DD3547DB-B9E5-4F4B-A60A-EAB6BCFC1362}" presName="node" presStyleLbl="node1" presStyleIdx="1" presStyleCnt="8">
         <dgm:presLayoutVars>
-          <dgm:chMax val="0"/>
           <dgm:bulletEnabled val="1"/>
         </dgm:presLayoutVars>
       </dgm:prSet>
       <dgm:spPr/>
     </dgm:pt>
-    <dgm:pt modelId="{C3BC07DD-4009-434F-96C8-FD6597A4FC03}" type="pres">
-      <dgm:prSet presAssocID="{FB2A547F-F161-4A9C-845C-DF914A2F9F2D}" presName="spacer" presStyleCnt="0"/>
+    <dgm:pt modelId="{040A9E14-11EC-4F40-A6DC-DE568D90CFA7}" type="pres">
+      <dgm:prSet presAssocID="{FB2A547F-F161-4A9C-845C-DF914A2F9F2D}" presName="sibTrans" presStyleCnt="0"/>
       <dgm:spPr/>
     </dgm:pt>
-    <dgm:pt modelId="{A40DF7AC-18A1-4BE2-8CD7-5824A5293730}" type="pres">
-      <dgm:prSet presAssocID="{38B9FFB2-796A-49FB-99C8-49985C4102A4}" presName="parentText" presStyleLbl="node1" presStyleIdx="2" presStyleCnt="8">
+    <dgm:pt modelId="{DBF5C8ED-15F0-413A-B7D9-C9159966C969}" type="pres">
+      <dgm:prSet presAssocID="{38B9FFB2-796A-49FB-99C8-49985C4102A4}" presName="node" presStyleLbl="node1" presStyleIdx="2" presStyleCnt="8">
         <dgm:presLayoutVars>
-          <dgm:chMax val="0"/>
           <dgm:bulletEnabled val="1"/>
         </dgm:presLayoutVars>
       </dgm:prSet>
       <dgm:spPr/>
     </dgm:pt>
-    <dgm:pt modelId="{7FFC2DA1-504B-4D93-968D-174291E3653A}" type="pres">
-      <dgm:prSet presAssocID="{8F6C6B77-0612-455C-856C-46996D20B59B}" presName="spacer" presStyleCnt="0"/>
+    <dgm:pt modelId="{22DCFDF6-046D-4369-B44F-D32F4458C793}" type="pres">
+      <dgm:prSet presAssocID="{8F6C6B77-0612-455C-856C-46996D20B59B}" presName="sibTrans" presStyleCnt="0"/>
       <dgm:spPr/>
     </dgm:pt>
-    <dgm:pt modelId="{EE14C6BE-53AC-442A-ACDA-030CD2434AD3}" type="pres">
-      <dgm:prSet presAssocID="{CA436B5F-90BC-4FD6-94A7-C6F5DAD506AF}" presName="parentText" presStyleLbl="node1" presStyleIdx="3" presStyleCnt="8">
+    <dgm:pt modelId="{751F6C65-88E6-4F3E-95B0-FE53620AE09B}" type="pres">
+      <dgm:prSet presAssocID="{CA436B5F-90BC-4FD6-94A7-C6F5DAD506AF}" presName="node" presStyleLbl="node1" presStyleIdx="3" presStyleCnt="8">
         <dgm:presLayoutVars>
-          <dgm:chMax val="0"/>
           <dgm:bulletEnabled val="1"/>
         </dgm:presLayoutVars>
       </dgm:prSet>
       <dgm:spPr/>
     </dgm:pt>
-    <dgm:pt modelId="{481F192A-7FD9-4E63-92BD-6382FA783828}" type="pres">
-      <dgm:prSet presAssocID="{51EC926B-639D-4816-ADFF-FA8BF90F2A3B}" presName="spacer" presStyleCnt="0"/>
+    <dgm:pt modelId="{3DAE16A2-F789-431C-A43F-B288051C927C}" type="pres">
+      <dgm:prSet presAssocID="{51EC926B-639D-4816-ADFF-FA8BF90F2A3B}" presName="sibTrans" presStyleCnt="0"/>
       <dgm:spPr/>
     </dgm:pt>
-    <dgm:pt modelId="{78D56C4A-777F-4708-AD99-221090155361}" type="pres">
-      <dgm:prSet presAssocID="{C6B508CA-28CF-40A1-8F96-4BD0BAB6E823}" presName="parentText" presStyleLbl="node1" presStyleIdx="4" presStyleCnt="8">
+    <dgm:pt modelId="{EBB76677-0557-483B-8FF0-881ECA0DF0E4}" type="pres">
+      <dgm:prSet presAssocID="{C6B508CA-28CF-40A1-8F96-4BD0BAB6E823}" presName="node" presStyleLbl="node1" presStyleIdx="4" presStyleCnt="8">
         <dgm:presLayoutVars>
-          <dgm:chMax val="0"/>
           <dgm:bulletEnabled val="1"/>
         </dgm:presLayoutVars>
       </dgm:prSet>
       <dgm:spPr/>
     </dgm:pt>
-    <dgm:pt modelId="{C6BC5605-249C-43E3-B0C0-9B3371939D23}" type="pres">
-      <dgm:prSet presAssocID="{CB073ACD-A1A4-48C6-B016-A330B816BA54}" presName="spacer" presStyleCnt="0"/>
+    <dgm:pt modelId="{BBB1A881-9009-4E63-BA75-BE168CF8B827}" type="pres">
+      <dgm:prSet presAssocID="{CB073ACD-A1A4-48C6-B016-A330B816BA54}" presName="sibTrans" presStyleCnt="0"/>
       <dgm:spPr/>
     </dgm:pt>
-    <dgm:pt modelId="{5A61E404-7AB4-4D31-B3D9-92A4228B48F1}" type="pres">
-      <dgm:prSet presAssocID="{49201B2F-2CE7-463C-A527-E079E749CEAC}" presName="parentText" presStyleLbl="node1" presStyleIdx="5" presStyleCnt="8">
+    <dgm:pt modelId="{C47D5127-AFCA-4987-BA4F-4F45DFF391CB}" type="pres">
+      <dgm:prSet presAssocID="{49201B2F-2CE7-463C-A527-E079E749CEAC}" presName="node" presStyleLbl="node1" presStyleIdx="5" presStyleCnt="8">
         <dgm:presLayoutVars>
-          <dgm:chMax val="0"/>
           <dgm:bulletEnabled val="1"/>
         </dgm:presLayoutVars>
       </dgm:prSet>
       <dgm:spPr/>
     </dgm:pt>
-    <dgm:pt modelId="{3010A7AB-6B4C-44CD-84AB-CEC5FEE1D6E2}" type="pres">
-      <dgm:prSet presAssocID="{62505656-FEC0-40C9-BB64-5DE13D3B386D}" presName="spacer" presStyleCnt="0"/>
+    <dgm:pt modelId="{79178427-ECEC-461E-AFA8-953E43A4E91F}" type="pres">
+      <dgm:prSet presAssocID="{62505656-FEC0-40C9-BB64-5DE13D3B386D}" presName="sibTrans" presStyleCnt="0"/>
       <dgm:spPr/>
     </dgm:pt>
-    <dgm:pt modelId="{C91EAD48-0ECE-4782-8344-D63D7E2245E6}" type="pres">
-      <dgm:prSet presAssocID="{FFC07E2C-C9CD-4602-BEAC-6D4EB225D2E7}" presName="parentText" presStyleLbl="node1" presStyleIdx="6" presStyleCnt="8">
+    <dgm:pt modelId="{75C491FC-6E36-4291-89AB-EC08A4AB65CD}" type="pres">
+      <dgm:prSet presAssocID="{FFC07E2C-C9CD-4602-BEAC-6D4EB225D2E7}" presName="node" presStyleLbl="node1" presStyleIdx="6" presStyleCnt="8">
         <dgm:presLayoutVars>
-          <dgm:chMax val="0"/>
           <dgm:bulletEnabled val="1"/>
         </dgm:presLayoutVars>
       </dgm:prSet>
       <dgm:spPr/>
     </dgm:pt>
-    <dgm:pt modelId="{BBB6E796-5D09-4F34-BE29-06A0E1F4A2F5}" type="pres">
-      <dgm:prSet presAssocID="{A12E1765-6791-4292-8C7B-E6A63F89031B}" presName="spacer" presStyleCnt="0"/>
+    <dgm:pt modelId="{002146EE-3CCD-4395-9783-4A3FC8763043}" type="pres">
+      <dgm:prSet presAssocID="{A12E1765-6791-4292-8C7B-E6A63F89031B}" presName="sibTrans" presStyleCnt="0"/>
       <dgm:spPr/>
     </dgm:pt>
-    <dgm:pt modelId="{E9ED79DC-91F1-4729-8C94-407840EEF95B}" type="pres">
-      <dgm:prSet presAssocID="{D9029A34-0059-4CF7-B7D1-EC049221D502}" presName="parentText" presStyleLbl="node1" presStyleIdx="7" presStyleCnt="8">
+    <dgm:pt modelId="{C071B7E0-FAEF-4226-A82D-FB020FD934A0}" type="pres">
+      <dgm:prSet presAssocID="{D9029A34-0059-4CF7-B7D1-EC049221D502}" presName="node" presStyleLbl="node1" presStyleIdx="7" presStyleCnt="8">
         <dgm:presLayoutVars>
-          <dgm:chMax val="0"/>
           <dgm:bulletEnabled val="1"/>
         </dgm:presLayoutVars>
       </dgm:prSet>
@@ -2885,38 +2881,38 @@
     </dgm:pt>
   </dgm:ptLst>
   <dgm:cxnLst>
-    <dgm:cxn modelId="{31691504-94B3-4413-899A-A974243B4A74}" type="presOf" srcId="{49201B2F-2CE7-463C-A527-E079E749CEAC}" destId="{5A61E404-7AB4-4D31-B3D9-92A4228B48F1}" srcOrd="0" destOrd="0" presId="urn:microsoft.com/office/officeart/2005/8/layout/vList2"/>
     <dgm:cxn modelId="{30E14C0C-76D9-4C1C-A6F4-856B083E188A}" srcId="{B1DCA7DD-B21F-4E30-81ED-0988C8C1364B}" destId="{38B9FFB2-796A-49FB-99C8-49985C4102A4}" srcOrd="2" destOrd="0" parTransId="{E8423B23-5929-488F-A18D-4FA77C4F1A9C}" sibTransId="{8F6C6B77-0612-455C-856C-46996D20B59B}"/>
-    <dgm:cxn modelId="{552E6719-3163-4D7A-93E4-ED4E5CBD74AD}" type="presOf" srcId="{C6B508CA-28CF-40A1-8F96-4BD0BAB6E823}" destId="{78D56C4A-777F-4708-AD99-221090155361}" srcOrd="0" destOrd="0" presId="urn:microsoft.com/office/officeart/2005/8/layout/vList2"/>
     <dgm:cxn modelId="{4807CC24-92DD-4127-ABEF-DE98BEFDF28E}" srcId="{B1DCA7DD-B21F-4E30-81ED-0988C8C1364B}" destId="{DD3547DB-B9E5-4F4B-A60A-EAB6BCFC1362}" srcOrd="1" destOrd="0" parTransId="{8516F240-24FC-4D6D-ABC6-D9B8D685AC28}" sibTransId="{FB2A547F-F161-4A9C-845C-DF914A2F9F2D}"/>
-    <dgm:cxn modelId="{0C718834-4A80-4F4D-823A-983205617194}" type="presOf" srcId="{D9029A34-0059-4CF7-B7D1-EC049221D502}" destId="{E9ED79DC-91F1-4729-8C94-407840EEF95B}" srcOrd="0" destOrd="0" presId="urn:microsoft.com/office/officeart/2005/8/layout/vList2"/>
-    <dgm:cxn modelId="{4CB88360-6727-49E0-8DB1-79A25562071B}" type="presOf" srcId="{CA436B5F-90BC-4FD6-94A7-C6F5DAD506AF}" destId="{EE14C6BE-53AC-442A-ACDA-030CD2434AD3}" srcOrd="0" destOrd="0" presId="urn:microsoft.com/office/officeart/2005/8/layout/vList2"/>
+    <dgm:cxn modelId="{D0CEF366-B0BC-4909-A9A4-638DC19E8CDC}" type="presOf" srcId="{B1DCA7DD-B21F-4E30-81ED-0988C8C1364B}" destId="{6D263144-6761-43E7-B113-829A7BA330C1}" srcOrd="0" destOrd="0" presId="urn:microsoft.com/office/officeart/2005/8/layout/default"/>
     <dgm:cxn modelId="{F18A5D71-B10F-47E6-AC4E-FCEDC1F2942F}" srcId="{B1DCA7DD-B21F-4E30-81ED-0988C8C1364B}" destId="{D9029A34-0059-4CF7-B7D1-EC049221D502}" srcOrd="7" destOrd="0" parTransId="{0B667E44-39E7-44DA-A2F0-F4CC39D074FE}" sibTransId="{08DB59C5-8DA8-488A-B85D-2E8D67A7B459}"/>
+    <dgm:cxn modelId="{E1A96D57-6058-4437-95D6-4D7291D0E0DD}" type="presOf" srcId="{38B9FFB2-796A-49FB-99C8-49985C4102A4}" destId="{DBF5C8ED-15F0-413A-B7D9-C9159966C969}" srcOrd="0" destOrd="0" presId="urn:microsoft.com/office/officeart/2005/8/layout/default"/>
+    <dgm:cxn modelId="{8865B75A-2E2E-433D-8B69-A43A118F483A}" type="presOf" srcId="{D9029A34-0059-4CF7-B7D1-EC049221D502}" destId="{C071B7E0-FAEF-4226-A82D-FB020FD934A0}" srcOrd="0" destOrd="0" presId="urn:microsoft.com/office/officeart/2005/8/layout/default"/>
     <dgm:cxn modelId="{262AF390-28AB-4C57-A8A7-FCDB67DE5E94}" srcId="{B1DCA7DD-B21F-4E30-81ED-0988C8C1364B}" destId="{C6B508CA-28CF-40A1-8F96-4BD0BAB6E823}" srcOrd="4" destOrd="0" parTransId="{B0193AB6-30ED-40C1-B421-D094D77937D4}" sibTransId="{CB073ACD-A1A4-48C6-B016-A330B816BA54}"/>
     <dgm:cxn modelId="{1AEFDA95-A4F5-486F-93E7-896546503C77}" srcId="{B1DCA7DD-B21F-4E30-81ED-0988C8C1364B}" destId="{A424819D-F4FA-4551-A65B-FBA823A096D9}" srcOrd="0" destOrd="0" parTransId="{496E92CC-E534-4669-A1EA-E057C5ECC50D}" sibTransId="{B4EF42E5-59D2-4F61-B78F-F5FB1FF69F72}"/>
-    <dgm:cxn modelId="{F3BB8B9D-3E9D-4DEC-83C9-E31FD134DF7F}" type="presOf" srcId="{FFC07E2C-C9CD-4602-BEAC-6D4EB225D2E7}" destId="{C91EAD48-0ECE-4782-8344-D63D7E2245E6}" srcOrd="0" destOrd="0" presId="urn:microsoft.com/office/officeart/2005/8/layout/vList2"/>
+    <dgm:cxn modelId="{0E8CB696-66EB-411F-B612-2270FF7537EB}" type="presOf" srcId="{C6B508CA-28CF-40A1-8F96-4BD0BAB6E823}" destId="{EBB76677-0557-483B-8FF0-881ECA0DF0E4}" srcOrd="0" destOrd="0" presId="urn:microsoft.com/office/officeart/2005/8/layout/default"/>
+    <dgm:cxn modelId="{B5ED909B-9CFB-44CF-AFC3-032B67AB6F22}" type="presOf" srcId="{49201B2F-2CE7-463C-A527-E079E749CEAC}" destId="{C47D5127-AFCA-4987-BA4F-4F45DFF391CB}" srcOrd="0" destOrd="0" presId="urn:microsoft.com/office/officeart/2005/8/layout/default"/>
     <dgm:cxn modelId="{95B94D9E-1C17-48A8-914C-6F59B792C879}" srcId="{B1DCA7DD-B21F-4E30-81ED-0988C8C1364B}" destId="{CA436B5F-90BC-4FD6-94A7-C6F5DAD506AF}" srcOrd="3" destOrd="0" parTransId="{8587CD03-F28C-4EC8-945D-86A6F08C99E6}" sibTransId="{51EC926B-639D-4816-ADFF-FA8BF90F2A3B}"/>
+    <dgm:cxn modelId="{3983E3AA-1BA8-4859-9D41-D41A0135B1A2}" type="presOf" srcId="{CA436B5F-90BC-4FD6-94A7-C6F5DAD506AF}" destId="{751F6C65-88E6-4F3E-95B0-FE53620AE09B}" srcOrd="0" destOrd="0" presId="urn:microsoft.com/office/officeart/2005/8/layout/default"/>
+    <dgm:cxn modelId="{82F273AC-818B-439C-85D5-1075186F91E2}" type="presOf" srcId="{DD3547DB-B9E5-4F4B-A60A-EAB6BCFC1362}" destId="{D60DFEA9-A213-44BD-8651-1FD33ADA3C93}" srcOrd="0" destOrd="0" presId="urn:microsoft.com/office/officeart/2005/8/layout/default"/>
     <dgm:cxn modelId="{509B9DB3-2766-4305-A0E5-897617CC1CC4}" srcId="{B1DCA7DD-B21F-4E30-81ED-0988C8C1364B}" destId="{FFC07E2C-C9CD-4602-BEAC-6D4EB225D2E7}" srcOrd="6" destOrd="0" parTransId="{E65A8BD9-786F-4630-984A-85D2B445F624}" sibTransId="{A12E1765-6791-4292-8C7B-E6A63F89031B}"/>
-    <dgm:cxn modelId="{A457F3E7-DFDD-46B5-B970-612A9C151E71}" type="presOf" srcId="{A424819D-F4FA-4551-A65B-FBA823A096D9}" destId="{F0BB9A90-B10E-49EA-9AA1-14373E51514D}" srcOrd="0" destOrd="0" presId="urn:microsoft.com/office/officeart/2005/8/layout/vList2"/>
+    <dgm:cxn modelId="{EADCCFC4-866C-4FC6-9A35-F8B349413203}" type="presOf" srcId="{FFC07E2C-C9CD-4602-BEAC-6D4EB225D2E7}" destId="{75C491FC-6E36-4291-89AB-EC08A4AB65CD}" srcOrd="0" destOrd="0" presId="urn:microsoft.com/office/officeart/2005/8/layout/default"/>
+    <dgm:cxn modelId="{322750D0-BFE6-44BD-88D9-1ED5024B91EC}" type="presOf" srcId="{A424819D-F4FA-4551-A65B-FBA823A096D9}" destId="{3DA826A8-B880-495C-A807-B9CB03155FC4}" srcOrd="0" destOrd="0" presId="urn:microsoft.com/office/officeart/2005/8/layout/default"/>
     <dgm:cxn modelId="{4944D1E9-4DEB-4FC3-BFD7-AA0E34B6B9E8}" srcId="{B1DCA7DD-B21F-4E30-81ED-0988C8C1364B}" destId="{49201B2F-2CE7-463C-A527-E079E749CEAC}" srcOrd="5" destOrd="0" parTransId="{45E051B5-13FC-43B9-AB95-E06BF2987219}" sibTransId="{62505656-FEC0-40C9-BB64-5DE13D3B386D}"/>
-    <dgm:cxn modelId="{76A092EC-ADFB-4386-8A6D-4031EF4B29B4}" type="presOf" srcId="{B1DCA7DD-B21F-4E30-81ED-0988C8C1364B}" destId="{79377DC2-F9C5-478F-9A2F-C1F73E6C3914}" srcOrd="0" destOrd="0" presId="urn:microsoft.com/office/officeart/2005/8/layout/vList2"/>
-    <dgm:cxn modelId="{08AAAFF1-F461-4E32-B20A-2BF30A067178}" type="presOf" srcId="{DD3547DB-B9E5-4F4B-A60A-EAB6BCFC1362}" destId="{6FA9F7A0-99C5-4484-9790-886B77B9D0AF}" srcOrd="0" destOrd="0" presId="urn:microsoft.com/office/officeart/2005/8/layout/vList2"/>
-    <dgm:cxn modelId="{76D6E6FE-255F-42A6-97EC-5EADA01305E2}" type="presOf" srcId="{38B9FFB2-796A-49FB-99C8-49985C4102A4}" destId="{A40DF7AC-18A1-4BE2-8CD7-5824A5293730}" srcOrd="0" destOrd="0" presId="urn:microsoft.com/office/officeart/2005/8/layout/vList2"/>
-    <dgm:cxn modelId="{5C047A25-D802-46C6-914C-5A0F160B7ED5}" type="presParOf" srcId="{79377DC2-F9C5-478F-9A2F-C1F73E6C3914}" destId="{F0BB9A90-B10E-49EA-9AA1-14373E51514D}" srcOrd="0" destOrd="0" presId="urn:microsoft.com/office/officeart/2005/8/layout/vList2"/>
-    <dgm:cxn modelId="{09175F56-EFA8-4030-9F59-27BE605516B6}" type="presParOf" srcId="{79377DC2-F9C5-478F-9A2F-C1F73E6C3914}" destId="{B90260BF-DA3C-482C-883C-FAECE9E948AC}" srcOrd="1" destOrd="0" presId="urn:microsoft.com/office/officeart/2005/8/layout/vList2"/>
-    <dgm:cxn modelId="{3A4A9871-DD12-4C80-AAA4-2201E202C778}" type="presParOf" srcId="{79377DC2-F9C5-478F-9A2F-C1F73E6C3914}" destId="{6FA9F7A0-99C5-4484-9790-886B77B9D0AF}" srcOrd="2" destOrd="0" presId="urn:microsoft.com/office/officeart/2005/8/layout/vList2"/>
-    <dgm:cxn modelId="{F002AD67-6970-4BCA-AA7A-BFC6E8DA1928}" type="presParOf" srcId="{79377DC2-F9C5-478F-9A2F-C1F73E6C3914}" destId="{C3BC07DD-4009-434F-96C8-FD6597A4FC03}" srcOrd="3" destOrd="0" presId="urn:microsoft.com/office/officeart/2005/8/layout/vList2"/>
-    <dgm:cxn modelId="{47709CB0-C95B-4E92-98F4-AD8D68574EDC}" type="presParOf" srcId="{79377DC2-F9C5-478F-9A2F-C1F73E6C3914}" destId="{A40DF7AC-18A1-4BE2-8CD7-5824A5293730}" srcOrd="4" destOrd="0" presId="urn:microsoft.com/office/officeart/2005/8/layout/vList2"/>
-    <dgm:cxn modelId="{F7CF0DBD-A068-4B1E-9990-172B6FDEB92D}" type="presParOf" srcId="{79377DC2-F9C5-478F-9A2F-C1F73E6C3914}" destId="{7FFC2DA1-504B-4D93-968D-174291E3653A}" srcOrd="5" destOrd="0" presId="urn:microsoft.com/office/officeart/2005/8/layout/vList2"/>
-    <dgm:cxn modelId="{4D3ECCC8-61AD-4E48-8F26-D6449C670D15}" type="presParOf" srcId="{79377DC2-F9C5-478F-9A2F-C1F73E6C3914}" destId="{EE14C6BE-53AC-442A-ACDA-030CD2434AD3}" srcOrd="6" destOrd="0" presId="urn:microsoft.com/office/officeart/2005/8/layout/vList2"/>
-    <dgm:cxn modelId="{208FD4D0-6BF6-470B-907B-384D58A80A17}" type="presParOf" srcId="{79377DC2-F9C5-478F-9A2F-C1F73E6C3914}" destId="{481F192A-7FD9-4E63-92BD-6382FA783828}" srcOrd="7" destOrd="0" presId="urn:microsoft.com/office/officeart/2005/8/layout/vList2"/>
-    <dgm:cxn modelId="{159E6DD1-BC47-4365-8428-0B88A6946FB6}" type="presParOf" srcId="{79377DC2-F9C5-478F-9A2F-C1F73E6C3914}" destId="{78D56C4A-777F-4708-AD99-221090155361}" srcOrd="8" destOrd="0" presId="urn:microsoft.com/office/officeart/2005/8/layout/vList2"/>
-    <dgm:cxn modelId="{569FD800-8BF0-4806-9FD2-DC9F9C7F8CE4}" type="presParOf" srcId="{79377DC2-F9C5-478F-9A2F-C1F73E6C3914}" destId="{C6BC5605-249C-43E3-B0C0-9B3371939D23}" srcOrd="9" destOrd="0" presId="urn:microsoft.com/office/officeart/2005/8/layout/vList2"/>
-    <dgm:cxn modelId="{9783BDE8-A763-4855-8F63-9B94F09609DE}" type="presParOf" srcId="{79377DC2-F9C5-478F-9A2F-C1F73E6C3914}" destId="{5A61E404-7AB4-4D31-B3D9-92A4228B48F1}" srcOrd="10" destOrd="0" presId="urn:microsoft.com/office/officeart/2005/8/layout/vList2"/>
-    <dgm:cxn modelId="{4CEC2E16-2506-477C-BA21-2FF629CD6F99}" type="presParOf" srcId="{79377DC2-F9C5-478F-9A2F-C1F73E6C3914}" destId="{3010A7AB-6B4C-44CD-84AB-CEC5FEE1D6E2}" srcOrd="11" destOrd="0" presId="urn:microsoft.com/office/officeart/2005/8/layout/vList2"/>
-    <dgm:cxn modelId="{9595895D-F56B-4509-8012-408A7E223447}" type="presParOf" srcId="{79377DC2-F9C5-478F-9A2F-C1F73E6C3914}" destId="{C91EAD48-0ECE-4782-8344-D63D7E2245E6}" srcOrd="12" destOrd="0" presId="urn:microsoft.com/office/officeart/2005/8/layout/vList2"/>
-    <dgm:cxn modelId="{BDA66940-9C7D-47DB-8619-CC519B72D353}" type="presParOf" srcId="{79377DC2-F9C5-478F-9A2F-C1F73E6C3914}" destId="{BBB6E796-5D09-4F34-BE29-06A0E1F4A2F5}" srcOrd="13" destOrd="0" presId="urn:microsoft.com/office/officeart/2005/8/layout/vList2"/>
-    <dgm:cxn modelId="{8DEB66D5-2794-4A41-BB29-F60C7411A02A}" type="presParOf" srcId="{79377DC2-F9C5-478F-9A2F-C1F73E6C3914}" destId="{E9ED79DC-91F1-4729-8C94-407840EEF95B}" srcOrd="14" destOrd="0" presId="urn:microsoft.com/office/officeart/2005/8/layout/vList2"/>
+    <dgm:cxn modelId="{6D1FA04A-C9EE-4441-8FF8-B33EACB82D21}" type="presParOf" srcId="{6D263144-6761-43E7-B113-829A7BA330C1}" destId="{3DA826A8-B880-495C-A807-B9CB03155FC4}" srcOrd="0" destOrd="0" presId="urn:microsoft.com/office/officeart/2005/8/layout/default"/>
+    <dgm:cxn modelId="{EBDA3E89-37C1-4098-925C-A34F88EEB0FE}" type="presParOf" srcId="{6D263144-6761-43E7-B113-829A7BA330C1}" destId="{5C777A1C-5C25-4393-8BAD-64E61720E6BA}" srcOrd="1" destOrd="0" presId="urn:microsoft.com/office/officeart/2005/8/layout/default"/>
+    <dgm:cxn modelId="{69810021-49F3-40FA-883C-B3A03CEC9535}" type="presParOf" srcId="{6D263144-6761-43E7-B113-829A7BA330C1}" destId="{D60DFEA9-A213-44BD-8651-1FD33ADA3C93}" srcOrd="2" destOrd="0" presId="urn:microsoft.com/office/officeart/2005/8/layout/default"/>
+    <dgm:cxn modelId="{E413959E-4815-44EA-8BF0-F213F790005A}" type="presParOf" srcId="{6D263144-6761-43E7-B113-829A7BA330C1}" destId="{040A9E14-11EC-4F40-A6DC-DE568D90CFA7}" srcOrd="3" destOrd="0" presId="urn:microsoft.com/office/officeart/2005/8/layout/default"/>
+    <dgm:cxn modelId="{672C4346-38D7-4037-84BB-A7C9C2CDA2D1}" type="presParOf" srcId="{6D263144-6761-43E7-B113-829A7BA330C1}" destId="{DBF5C8ED-15F0-413A-B7D9-C9159966C969}" srcOrd="4" destOrd="0" presId="urn:microsoft.com/office/officeart/2005/8/layout/default"/>
+    <dgm:cxn modelId="{42B13919-818B-4E28-8843-8B6C9A9E5404}" type="presParOf" srcId="{6D263144-6761-43E7-B113-829A7BA330C1}" destId="{22DCFDF6-046D-4369-B44F-D32F4458C793}" srcOrd="5" destOrd="0" presId="urn:microsoft.com/office/officeart/2005/8/layout/default"/>
+    <dgm:cxn modelId="{9D68AEA2-F14B-4393-8605-DE4A5A7AB9B8}" type="presParOf" srcId="{6D263144-6761-43E7-B113-829A7BA330C1}" destId="{751F6C65-88E6-4F3E-95B0-FE53620AE09B}" srcOrd="6" destOrd="0" presId="urn:microsoft.com/office/officeart/2005/8/layout/default"/>
+    <dgm:cxn modelId="{DEDCDC66-C4FC-4BAA-A1FF-7BA3EE5890B8}" type="presParOf" srcId="{6D263144-6761-43E7-B113-829A7BA330C1}" destId="{3DAE16A2-F789-431C-A43F-B288051C927C}" srcOrd="7" destOrd="0" presId="urn:microsoft.com/office/officeart/2005/8/layout/default"/>
+    <dgm:cxn modelId="{19A9CCD1-1F0D-4562-91AF-F7E636F51C83}" type="presParOf" srcId="{6D263144-6761-43E7-B113-829A7BA330C1}" destId="{EBB76677-0557-483B-8FF0-881ECA0DF0E4}" srcOrd="8" destOrd="0" presId="urn:microsoft.com/office/officeart/2005/8/layout/default"/>
+    <dgm:cxn modelId="{6D39263D-A71A-406B-9501-A99C7F29FC23}" type="presParOf" srcId="{6D263144-6761-43E7-B113-829A7BA330C1}" destId="{BBB1A881-9009-4E63-BA75-BE168CF8B827}" srcOrd="9" destOrd="0" presId="urn:microsoft.com/office/officeart/2005/8/layout/default"/>
+    <dgm:cxn modelId="{DA7C2A47-A1D9-4E4F-8316-38DBF5FC9DB5}" type="presParOf" srcId="{6D263144-6761-43E7-B113-829A7BA330C1}" destId="{C47D5127-AFCA-4987-BA4F-4F45DFF391CB}" srcOrd="10" destOrd="0" presId="urn:microsoft.com/office/officeart/2005/8/layout/default"/>
+    <dgm:cxn modelId="{58534AE8-571D-4222-8528-D35FAB7DEA3F}" type="presParOf" srcId="{6D263144-6761-43E7-B113-829A7BA330C1}" destId="{79178427-ECEC-461E-AFA8-953E43A4E91F}" srcOrd="11" destOrd="0" presId="urn:microsoft.com/office/officeart/2005/8/layout/default"/>
+    <dgm:cxn modelId="{13E3E14A-3E87-469E-9545-2EA0F3747A80}" type="presParOf" srcId="{6D263144-6761-43E7-B113-829A7BA330C1}" destId="{75C491FC-6E36-4291-89AB-EC08A4AB65CD}" srcOrd="12" destOrd="0" presId="urn:microsoft.com/office/officeart/2005/8/layout/default"/>
+    <dgm:cxn modelId="{C520111C-380A-4D1D-88DC-46F2E89CB72A}" type="presParOf" srcId="{6D263144-6761-43E7-B113-829A7BA330C1}" destId="{002146EE-3CCD-4395-9783-4A3FC8763043}" srcOrd="13" destOrd="0" presId="urn:microsoft.com/office/officeart/2005/8/layout/default"/>
+    <dgm:cxn modelId="{1E6EA159-A1B6-48AF-98E3-349103E7C48E}" type="presParOf" srcId="{6D263144-6761-43E7-B113-829A7BA330C1}" destId="{C071B7E0-FAEF-4226-A82D-FB020FD934A0}" srcOrd="14" destOrd="0" presId="urn:microsoft.com/office/officeart/2005/8/layout/default"/>
   </dgm:cxnLst>
   <dgm:bg/>
   <dgm:whole/>
@@ -3663,17 +3659,17 @@
       <dsp:cNvGrpSpPr/>
     </dsp:nvGrpSpPr>
     <dsp:grpSpPr/>
-    <dsp:sp modelId="{F0BB9A90-B10E-49EA-9AA1-14373E51514D}">
+    <dsp:sp modelId="{3DA826A8-B880-495C-A807-B9CB03155FC4}">
       <dsp:nvSpPr>
         <dsp:cNvPr id="0" name=""/>
         <dsp:cNvSpPr/>
       </dsp:nvSpPr>
       <dsp:spPr>
         <a:xfrm>
-          <a:off x="0" y="45267"/>
-          <a:ext cx="4466744" cy="463319"/>
+          <a:off x="664668" y="2602"/>
+          <a:ext cx="1494003" cy="896402"/>
         </a:xfrm>
-        <a:prstGeom prst="roundRect">
+        <a:prstGeom prst="rect">
           <a:avLst/>
         </a:prstGeom>
         <a:gradFill rotWithShape="0">
@@ -3745,7 +3741,7 @@
         </a:bodyPr>
         <a:lstStyle/>
         <a:p>
-          <a:pPr marL="0" lvl="0" indent="0" algn="l" defTabSz="533400">
+          <a:pPr marL="0" lvl="0" indent="0" algn="ctr" defTabSz="533400">
             <a:lnSpc>
               <a:spcPct val="90000"/>
             </a:lnSpc>
@@ -3769,21 +3765,21 @@
         </a:p>
       </dsp:txBody>
       <dsp:txXfrm>
-        <a:off x="22617" y="67884"/>
-        <a:ext cx="4421510" cy="418085"/>
+        <a:off x="664668" y="2602"/>
+        <a:ext cx="1494003" cy="896402"/>
       </dsp:txXfrm>
     </dsp:sp>
-    <dsp:sp modelId="{6FA9F7A0-99C5-4484-9790-886B77B9D0AF}">
+    <dsp:sp modelId="{D60DFEA9-A213-44BD-8651-1FD33ADA3C93}">
       <dsp:nvSpPr>
         <dsp:cNvPr id="0" name=""/>
         <dsp:cNvSpPr/>
       </dsp:nvSpPr>
       <dsp:spPr>
         <a:xfrm>
-          <a:off x="0" y="543147"/>
-          <a:ext cx="4466744" cy="463319"/>
+          <a:off x="2308072" y="2602"/>
+          <a:ext cx="1494003" cy="896402"/>
         </a:xfrm>
-        <a:prstGeom prst="roundRect">
+        <a:prstGeom prst="rect">
           <a:avLst/>
         </a:prstGeom>
         <a:gradFill rotWithShape="0">
@@ -3855,7 +3851,7 @@
         </a:bodyPr>
         <a:lstStyle/>
         <a:p>
-          <a:pPr marL="0" lvl="0" indent="0" algn="l" defTabSz="533400">
+          <a:pPr marL="0" lvl="0" indent="0" algn="ctr" defTabSz="533400">
             <a:lnSpc>
               <a:spcPct val="90000"/>
             </a:lnSpc>
@@ -3887,21 +3883,21 @@
         </a:p>
       </dsp:txBody>
       <dsp:txXfrm>
-        <a:off x="22617" y="565764"/>
-        <a:ext cx="4421510" cy="418085"/>
+        <a:off x="2308072" y="2602"/>
+        <a:ext cx="1494003" cy="896402"/>
       </dsp:txXfrm>
     </dsp:sp>
-    <dsp:sp modelId="{A40DF7AC-18A1-4BE2-8CD7-5824A5293730}">
+    <dsp:sp modelId="{DBF5C8ED-15F0-413A-B7D9-C9159966C969}">
       <dsp:nvSpPr>
         <dsp:cNvPr id="0" name=""/>
         <dsp:cNvSpPr/>
       </dsp:nvSpPr>
       <dsp:spPr>
         <a:xfrm>
-          <a:off x="0" y="1041027"/>
-          <a:ext cx="4466744" cy="463319"/>
+          <a:off x="664668" y="1048405"/>
+          <a:ext cx="1494003" cy="896402"/>
         </a:xfrm>
-        <a:prstGeom prst="roundRect">
+        <a:prstGeom prst="rect">
           <a:avLst/>
         </a:prstGeom>
         <a:gradFill rotWithShape="0">
@@ -3973,7 +3969,7 @@
         </a:bodyPr>
         <a:lstStyle/>
         <a:p>
-          <a:pPr marL="0" lvl="0" indent="0" algn="l" defTabSz="533400">
+          <a:pPr marL="0" lvl="0" indent="0" algn="ctr" defTabSz="533400">
             <a:lnSpc>
               <a:spcPct val="90000"/>
             </a:lnSpc>
@@ -3997,21 +3993,21 @@
         </a:p>
       </dsp:txBody>
       <dsp:txXfrm>
-        <a:off x="22617" y="1063644"/>
-        <a:ext cx="4421510" cy="418085"/>
+        <a:off x="664668" y="1048405"/>
+        <a:ext cx="1494003" cy="896402"/>
       </dsp:txXfrm>
     </dsp:sp>
-    <dsp:sp modelId="{EE14C6BE-53AC-442A-ACDA-030CD2434AD3}">
+    <dsp:sp modelId="{751F6C65-88E6-4F3E-95B0-FE53620AE09B}">
       <dsp:nvSpPr>
         <dsp:cNvPr id="0" name=""/>
         <dsp:cNvSpPr/>
       </dsp:nvSpPr>
       <dsp:spPr>
         <a:xfrm>
-          <a:off x="0" y="1538907"/>
-          <a:ext cx="4466744" cy="463319"/>
+          <a:off x="2308072" y="1048405"/>
+          <a:ext cx="1494003" cy="896402"/>
         </a:xfrm>
-        <a:prstGeom prst="roundRect">
+        <a:prstGeom prst="rect">
           <a:avLst/>
         </a:prstGeom>
         <a:gradFill rotWithShape="0">
@@ -4083,7 +4079,7 @@
         </a:bodyPr>
         <a:lstStyle/>
         <a:p>
-          <a:pPr marL="0" lvl="0" indent="0" algn="l" defTabSz="533400">
+          <a:pPr marL="0" lvl="0" indent="0" algn="ctr" defTabSz="533400">
             <a:lnSpc>
               <a:spcPct val="90000"/>
             </a:lnSpc>
@@ -4107,21 +4103,21 @@
         </a:p>
       </dsp:txBody>
       <dsp:txXfrm>
-        <a:off x="22617" y="1561524"/>
-        <a:ext cx="4421510" cy="418085"/>
+        <a:off x="2308072" y="1048405"/>
+        <a:ext cx="1494003" cy="896402"/>
       </dsp:txXfrm>
     </dsp:sp>
-    <dsp:sp modelId="{78D56C4A-777F-4708-AD99-221090155361}">
+    <dsp:sp modelId="{EBB76677-0557-483B-8FF0-881ECA0DF0E4}">
       <dsp:nvSpPr>
         <dsp:cNvPr id="0" name=""/>
         <dsp:cNvSpPr/>
       </dsp:nvSpPr>
       <dsp:spPr>
         <a:xfrm>
-          <a:off x="0" y="2036787"/>
-          <a:ext cx="4466744" cy="463319"/>
+          <a:off x="664668" y="2094207"/>
+          <a:ext cx="1494003" cy="896402"/>
         </a:xfrm>
-        <a:prstGeom prst="roundRect">
+        <a:prstGeom prst="rect">
           <a:avLst/>
         </a:prstGeom>
         <a:gradFill rotWithShape="0">
@@ -4193,7 +4189,7 @@
         </a:bodyPr>
         <a:lstStyle/>
         <a:p>
-          <a:pPr marL="0" lvl="0" indent="0" algn="l" defTabSz="533400">
+          <a:pPr marL="0" lvl="0" indent="0" algn="ctr" defTabSz="533400">
             <a:lnSpc>
               <a:spcPct val="90000"/>
             </a:lnSpc>
@@ -4206,32 +4202,36 @@
             <a:buNone/>
           </a:pPr>
           <a:r>
-            <a:rPr lang="en-US" sz="1200" b="1" i="0" kern="1200" baseline="0"/>
-            <a:t>LangChain Framework:</a:t>
+            <a:rPr lang="en-US" sz="1200" b="1" i="0" kern="1200" baseline="0" dirty="0" err="1"/>
+            <a:t>LangChain</a:t>
           </a:r>
           <a:r>
-            <a:rPr lang="en-US" sz="1200" b="0" i="0" kern="1200" baseline="0"/>
+            <a:rPr lang="en-US" sz="1200" b="1" i="0" kern="1200" baseline="0" dirty="0"/>
+            <a:t> Framework:</a:t>
+          </a:r>
+          <a:r>
+            <a:rPr lang="en-US" sz="1200" b="0" i="0" kern="1200" baseline="0" dirty="0"/>
             <a:t> Seamlessly integrates agents, tools, and memory.</a:t>
           </a:r>
-          <a:endParaRPr lang="en-US" sz="1200" kern="1200"/>
+          <a:endParaRPr lang="en-US" sz="1200" kern="1200" dirty="0"/>
         </a:p>
       </dsp:txBody>
       <dsp:txXfrm>
-        <a:off x="22617" y="2059404"/>
-        <a:ext cx="4421510" cy="418085"/>
+        <a:off x="664668" y="2094207"/>
+        <a:ext cx="1494003" cy="896402"/>
       </dsp:txXfrm>
     </dsp:sp>
-    <dsp:sp modelId="{5A61E404-7AB4-4D31-B3D9-92A4228B48F1}">
+    <dsp:sp modelId="{C47D5127-AFCA-4987-BA4F-4F45DFF391CB}">
       <dsp:nvSpPr>
         <dsp:cNvPr id="0" name=""/>
         <dsp:cNvSpPr/>
       </dsp:nvSpPr>
       <dsp:spPr>
         <a:xfrm>
-          <a:off x="0" y="2534667"/>
-          <a:ext cx="4466744" cy="463319"/>
+          <a:off x="2308072" y="2094207"/>
+          <a:ext cx="1494003" cy="896402"/>
         </a:xfrm>
-        <a:prstGeom prst="roundRect">
+        <a:prstGeom prst="rect">
           <a:avLst/>
         </a:prstGeom>
         <a:gradFill rotWithShape="0">
@@ -4303,7 +4303,7 @@
         </a:bodyPr>
         <a:lstStyle/>
         <a:p>
-          <a:pPr marL="0" lvl="0" indent="0" algn="l" defTabSz="533400">
+          <a:pPr marL="0" lvl="0" indent="0" algn="ctr" defTabSz="533400">
             <a:lnSpc>
               <a:spcPct val="90000"/>
             </a:lnSpc>
@@ -4335,21 +4335,21 @@
         </a:p>
       </dsp:txBody>
       <dsp:txXfrm>
-        <a:off x="22617" y="2557284"/>
-        <a:ext cx="4421510" cy="418085"/>
+        <a:off x="2308072" y="2094207"/>
+        <a:ext cx="1494003" cy="896402"/>
       </dsp:txXfrm>
     </dsp:sp>
-    <dsp:sp modelId="{C91EAD48-0ECE-4782-8344-D63D7E2245E6}">
+    <dsp:sp modelId="{75C491FC-6E36-4291-89AB-EC08A4AB65CD}">
       <dsp:nvSpPr>
         <dsp:cNvPr id="0" name=""/>
         <dsp:cNvSpPr/>
       </dsp:nvSpPr>
       <dsp:spPr>
         <a:xfrm>
-          <a:off x="0" y="3032547"/>
-          <a:ext cx="4466744" cy="463319"/>
+          <a:off x="664668" y="3140010"/>
+          <a:ext cx="1494003" cy="896402"/>
         </a:xfrm>
-        <a:prstGeom prst="roundRect">
+        <a:prstGeom prst="rect">
           <a:avLst/>
         </a:prstGeom>
         <a:gradFill rotWithShape="0">
@@ -4421,7 +4421,7 @@
         </a:bodyPr>
         <a:lstStyle/>
         <a:p>
-          <a:pPr marL="0" lvl="0" indent="0" algn="l" defTabSz="533400">
+          <a:pPr marL="0" lvl="0" indent="0" algn="ctr" defTabSz="533400">
             <a:lnSpc>
               <a:spcPct val="90000"/>
             </a:lnSpc>
@@ -4449,21 +4449,21 @@
         </a:p>
       </dsp:txBody>
       <dsp:txXfrm>
-        <a:off x="22617" y="3055164"/>
-        <a:ext cx="4421510" cy="418085"/>
+        <a:off x="664668" y="3140010"/>
+        <a:ext cx="1494003" cy="896402"/>
       </dsp:txXfrm>
     </dsp:sp>
-    <dsp:sp modelId="{E9ED79DC-91F1-4729-8C94-407840EEF95B}">
+    <dsp:sp modelId="{C071B7E0-FAEF-4226-A82D-FB020FD934A0}">
       <dsp:nvSpPr>
         <dsp:cNvPr id="0" name=""/>
         <dsp:cNvSpPr/>
       </dsp:nvSpPr>
       <dsp:spPr>
         <a:xfrm>
-          <a:off x="0" y="3530427"/>
-          <a:ext cx="4466744" cy="463319"/>
+          <a:off x="2308072" y="3140010"/>
+          <a:ext cx="1494003" cy="896402"/>
         </a:xfrm>
-        <a:prstGeom prst="roundRect">
+        <a:prstGeom prst="rect">
           <a:avLst/>
         </a:prstGeom>
         <a:gradFill rotWithShape="0">
@@ -4535,7 +4535,7 @@
         </a:bodyPr>
         <a:lstStyle/>
         <a:p>
-          <a:pPr marL="0" lvl="0" indent="0" algn="l" defTabSz="533400">
+          <a:pPr marL="0" lvl="0" indent="0" algn="ctr" defTabSz="533400">
             <a:lnSpc>
               <a:spcPct val="90000"/>
             </a:lnSpc>
@@ -4559,8 +4559,8 @@
         </a:p>
       </dsp:txBody>
       <dsp:txXfrm>
-        <a:off x="22617" y="3553044"/>
-        <a:ext cx="4421510" cy="418085"/>
+        <a:off x="2308072" y="3140010"/>
+        <a:ext cx="1494003" cy="896402"/>
       </dsp:txXfrm>
     </dsp:sp>
   </dsp:spTree>
@@ -6020,12 +6020,11 @@
 </file>
 
 <file path=ppt/diagrams/layout1.xml><?xml version="1.0" encoding="utf-8"?>
-<dgm:layoutDef xmlns:dgm="http://schemas.openxmlformats.org/drawingml/2006/diagram" xmlns:a="http://schemas.openxmlformats.org/drawingml/2006/main" uniqueId="urn:microsoft.com/office/officeart/2005/8/layout/vList2">
+<dgm:layoutDef xmlns:dgm="http://schemas.openxmlformats.org/drawingml/2006/diagram" xmlns:a="http://schemas.openxmlformats.org/drawingml/2006/main" uniqueId="urn:microsoft.com/office/officeart/2005/8/layout/default">
   <dgm:title val=""/>
   <dgm:desc val=""/>
   <dgm:catLst>
-    <dgm:cat type="list" pri="3000"/>
-    <dgm:cat type="convert" pri="1000"/>
+    <dgm:cat type="list" pri="400"/>
   </dgm:catLst>
   <dgm:sampData>
     <dgm:dataModel>
@@ -6034,21 +6033,25 @@
         <dgm:pt modelId="1">
           <dgm:prSet phldr="1"/>
         </dgm:pt>
-        <dgm:pt modelId="11">
-          <dgm:prSet phldr="1"/>
-        </dgm:pt>
         <dgm:pt modelId="2">
           <dgm:prSet phldr="1"/>
         </dgm:pt>
-        <dgm:pt modelId="21">
+        <dgm:pt modelId="3">
+          <dgm:prSet phldr="1"/>
+        </dgm:pt>
+        <dgm:pt modelId="4">
+          <dgm:prSet phldr="1"/>
+        </dgm:pt>
+        <dgm:pt modelId="5">
           <dgm:prSet phldr="1"/>
         </dgm:pt>
       </dgm:ptLst>
       <dgm:cxnLst>
-        <dgm:cxn modelId="4" srcId="0" destId="1" srcOrd="0" destOrd="0"/>
-        <dgm:cxn modelId="5" srcId="0" destId="2" srcOrd="1" destOrd="0"/>
-        <dgm:cxn modelId="12" srcId="1" destId="11" srcOrd="0" destOrd="0"/>
-        <dgm:cxn modelId="23" srcId="2" destId="21" srcOrd="0" destOrd="0"/>
+        <dgm:cxn modelId="6" srcId="0" destId="1" srcOrd="0" destOrd="0"/>
+        <dgm:cxn modelId="7" srcId="0" destId="2" srcOrd="1" destOrd="0"/>
+        <dgm:cxn modelId="8" srcId="0" destId="3" srcOrd="2" destOrd="0"/>
+        <dgm:cxn modelId="9" srcId="0" destId="4" srcOrd="3" destOrd="0"/>
+        <dgm:cxn modelId="10" srcId="0" destId="5" srcOrd="4" destOrd="0"/>
       </dgm:cxnLst>
       <dgm:bg/>
       <dgm:whole/>
@@ -6077,110 +6080,87 @@
         <dgm:pt modelId="2"/>
         <dgm:pt modelId="3"/>
         <dgm:pt modelId="4"/>
+        <dgm:pt modelId="5"/>
+        <dgm:pt modelId="6"/>
       </dgm:ptLst>
       <dgm:cxnLst>
-        <dgm:cxn modelId="5" srcId="0" destId="1" srcOrd="0" destOrd="0"/>
-        <dgm:cxn modelId="6" srcId="0" destId="2" srcOrd="1" destOrd="0"/>
-        <dgm:cxn modelId="7" srcId="0" destId="3" srcOrd="2" destOrd="0"/>
-        <dgm:cxn modelId="8" srcId="0" destId="4" srcOrd="3" destOrd="0"/>
+        <dgm:cxn modelId="7" srcId="0" destId="1" srcOrd="0" destOrd="0"/>
+        <dgm:cxn modelId="8" srcId="0" destId="2" srcOrd="1" destOrd="0"/>
+        <dgm:cxn modelId="9" srcId="0" destId="3" srcOrd="2" destOrd="0"/>
+        <dgm:cxn modelId="10" srcId="0" destId="4" srcOrd="3" destOrd="0"/>
+        <dgm:cxn modelId="11" srcId="0" destId="5" srcOrd="4" destOrd="0"/>
+        <dgm:cxn modelId="12" srcId="0" destId="6" srcOrd="5" destOrd="0"/>
       </dgm:cxnLst>
       <dgm:bg/>
       <dgm:whole/>
     </dgm:dataModel>
   </dgm:clrData>
-  <dgm:layoutNode name="linear">
+  <dgm:layoutNode name="diagram">
     <dgm:varLst>
-      <dgm:animLvl val="lvl"/>
+      <dgm:dir/>
       <dgm:resizeHandles val="exact"/>
     </dgm:varLst>
-    <dgm:alg type="lin">
-      <dgm:param type="linDir" val="fromT"/>
-      <dgm:param type="vertAlign" val="mid"/>
-    </dgm:alg>
+    <dgm:choose name="Name0">
+      <dgm:if name="Name1" func="var" arg="dir" op="equ" val="norm">
+        <dgm:alg type="snake">
+          <dgm:param type="grDir" val="tL"/>
+          <dgm:param type="flowDir" val="row"/>
+          <dgm:param type="contDir" val="sameDir"/>
+          <dgm:param type="off" val="ctr"/>
+        </dgm:alg>
+      </dgm:if>
+      <dgm:else name="Name2">
+        <dgm:alg type="snake">
+          <dgm:param type="grDir" val="tR"/>
+          <dgm:param type="flowDir" val="row"/>
+          <dgm:param type="contDir" val="sameDir"/>
+          <dgm:param type="off" val="ctr"/>
+        </dgm:alg>
+      </dgm:else>
+    </dgm:choose>
     <dgm:shape xmlns:r="http://schemas.openxmlformats.org/officeDocument/2006/relationships" r:blip="">
       <dgm:adjLst/>
     </dgm:shape>
     <dgm:presOf/>
     <dgm:constrLst>
-      <dgm:constr type="w" for="ch" forName="parentText" refType="w"/>
-      <dgm:constr type="h" for="ch" forName="parentText" refType="primFontSz" refFor="ch" refForName="parentText" fact="0.52"/>
-      <dgm:constr type="w" for="ch" forName="childText" refType="w"/>
-      <dgm:constr type="h" for="ch" forName="childText" refType="primFontSz" refFor="ch" refForName="parentText" fact="0.46"/>
-      <dgm:constr type="h" for="ch" forName="parentText" op="equ"/>
-      <dgm:constr type="primFontSz" for="ch" forName="parentText" op="equ" val="65"/>
-      <dgm:constr type="primFontSz" for="ch" forName="childText" refType="primFontSz" refFor="ch" refForName="parentText" op="equ"/>
-      <dgm:constr type="h" for="ch" forName="spacer" refType="primFontSz" refFor="ch" refForName="parentText" fact="0.08"/>
+      <dgm:constr type="w" for="ch" forName="node" refType="w"/>
+      <dgm:constr type="h" for="ch" forName="node" refType="w" refFor="ch" refForName="node" fact="0.6"/>
+      <dgm:constr type="w" for="ch" forName="sibTrans" refType="w" refFor="ch" refForName="node" fact="0.1"/>
+      <dgm:constr type="sp" refType="w" refFor="ch" refForName="sibTrans"/>
+      <dgm:constr type="primFontSz" for="ch" forName="node" op="equ" val="65"/>
     </dgm:constrLst>
-    <dgm:ruleLst>
-      <dgm:rule type="primFontSz" for="ch" forName="parentText" val="5" fact="NaN" max="NaN"/>
-    </dgm:ruleLst>
-    <dgm:forEach name="Name0" axis="ch" ptType="node">
-      <dgm:layoutNode name="parentText" styleLbl="node1">
+    <dgm:ruleLst/>
+    <dgm:forEach name="Name3" axis="ch" ptType="node">
+      <dgm:layoutNode name="node">
         <dgm:varLst>
-          <dgm:chMax val="0"/>
           <dgm:bulletEnabled val="1"/>
         </dgm:varLst>
-        <dgm:alg type="tx">
-          <dgm:param type="parTxLTRAlign" val="l"/>
-          <dgm:param type="parTxRTLAlign" val="r"/>
-        </dgm:alg>
-        <dgm:shape xmlns:r="http://schemas.openxmlformats.org/officeDocument/2006/relationships" type="roundRect" r:blip="">
+        <dgm:alg type="tx"/>
+        <dgm:shape xmlns:r="http://schemas.openxmlformats.org/officeDocument/2006/relationships" type="rect" r:blip="">
           <dgm:adjLst/>
         </dgm:shape>
-        <dgm:presOf axis="self"/>
+        <dgm:presOf axis="desOrSelf" ptType="node"/>
         <dgm:constrLst>
+          <dgm:constr type="lMarg" refType="primFontSz" fact="0.3"/>
+          <dgm:constr type="rMarg" refType="primFontSz" fact="0.3"/>
           <dgm:constr type="tMarg" refType="primFontSz" fact="0.3"/>
           <dgm:constr type="bMarg" refType="primFontSz" fact="0.3"/>
-          <dgm:constr type="lMarg" refType="primFontSz" fact="0.3"/>
-          <dgm:constr type="rMarg" refType="primFontSz" fact="0.3"/>
         </dgm:constrLst>
         <dgm:ruleLst>
-          <dgm:rule type="h" val="INF" fact="NaN" max="NaN"/>
+          <dgm:rule type="primFontSz" val="5" fact="NaN" max="NaN"/>
         </dgm:ruleLst>
       </dgm:layoutNode>
-      <dgm:choose name="Name1">
-        <dgm:if name="Name2" axis="ch" ptType="node" func="cnt" op="gte" val="1">
-          <dgm:layoutNode name="childText" styleLbl="revTx">
-            <dgm:varLst>
-              <dgm:bulletEnabled val="1"/>
-            </dgm:varLst>
-            <dgm:alg type="tx">
-              <dgm:param type="stBulletLvl" val="1"/>
-              <dgm:param type="lnSpAfChP" val="20"/>
-            </dgm:alg>
-            <dgm:shape xmlns:r="http://schemas.openxmlformats.org/officeDocument/2006/relationships" type="rect" r:blip="">
-              <dgm:adjLst/>
-            </dgm:shape>
-            <dgm:presOf axis="des" ptType="node"/>
-            <dgm:constrLst>
-              <dgm:constr type="tMarg" refType="primFontSz" fact="0.1"/>
-              <dgm:constr type="bMarg" refType="primFontSz" fact="0.1"/>
-              <dgm:constr type="lMarg" refType="w" fact="0.09"/>
-            </dgm:constrLst>
-            <dgm:ruleLst>
-              <dgm:rule type="h" val="INF" fact="NaN" max="NaN"/>
-            </dgm:ruleLst>
-          </dgm:layoutNode>
-        </dgm:if>
-        <dgm:else name="Name3">
-          <dgm:choose name="Name4">
-            <dgm:if name="Name5" axis="par ch" ptType="doc node" func="cnt" op="gte" val="2">
-              <dgm:forEach name="Name6" axis="followSib" ptType="sibTrans" cnt="1">
-                <dgm:layoutNode name="spacer">
-                  <dgm:alg type="sp"/>
-                  <dgm:shape xmlns:r="http://schemas.openxmlformats.org/officeDocument/2006/relationships" r:blip="">
-                    <dgm:adjLst/>
-                  </dgm:shape>
-                  <dgm:presOf/>
-                  <dgm:constrLst/>
-                  <dgm:ruleLst/>
-                </dgm:layoutNode>
-              </dgm:forEach>
-            </dgm:if>
-            <dgm:else name="Name7"/>
-          </dgm:choose>
-        </dgm:else>
-      </dgm:choose>
+      <dgm:forEach name="Name4" axis="followSib" ptType="sibTrans" cnt="1">
+        <dgm:layoutNode name="sibTrans">
+          <dgm:alg type="sp"/>
+          <dgm:shape xmlns:r="http://schemas.openxmlformats.org/officeDocument/2006/relationships" r:blip="">
+            <dgm:adjLst/>
+          </dgm:shape>
+          <dgm:presOf/>
+          <dgm:constrLst/>
+          <dgm:ruleLst/>
+        </dgm:layoutNode>
+      </dgm:forEach>
     </dgm:forEach>
   </dgm:layoutNode>
 </dgm:layoutDef>
@@ -11448,7 +11428,7 @@
           <a:p>
             <a:fld id="{78ABE3C1-DBE1-495D-B57B-2849774B866A}" type="datetimeFigureOut">
               <a:rPr lang="en-US" smtClean="0"/>
-              <a:t>1/30/2025</a:t>
+              <a:t>1/31/2025</a:t>
             </a:fld>
             <a:endParaRPr lang="en-US" dirty="0"/>
           </a:p>
@@ -11872,7 +11852,7 @@
           <a:p>
             <a:fld id="{446C117F-5CCF-4837-BE5F-2B92066CAFAF}" type="datetimeFigureOut">
               <a:rPr lang="en-US" smtClean="0"/>
-              <a:t>1/30/2025</a:t>
+              <a:t>1/31/2025</a:t>
             </a:fld>
             <a:endParaRPr lang="en-US" dirty="0"/>
           </a:p>
@@ -12218,7 +12198,7 @@
           <a:p>
             <a:fld id="{84EB90BD-B6CE-46B7-997F-7313B992CCDC}" type="datetimeFigureOut">
               <a:rPr lang="en-US" smtClean="0"/>
-              <a:t>1/30/2025</a:t>
+              <a:t>1/31/2025</a:t>
             </a:fld>
             <a:endParaRPr lang="en-US" dirty="0"/>
           </a:p>
@@ -12633,7 +12613,7 @@
           <a:p>
             <a:fld id="{CDB9D11F-B188-461D-B23F-39381795C052}" type="datetimeFigureOut">
               <a:rPr lang="en-US" smtClean="0"/>
-              <a:t>1/30/2025</a:t>
+              <a:t>1/31/2025</a:t>
             </a:fld>
             <a:endParaRPr lang="en-US" dirty="0"/>
           </a:p>
@@ -13211,7 +13191,7 @@
           <a:p>
             <a:fld id="{52E6D8D9-55A2-4063-B0F3-121F44549695}" type="datetimeFigureOut">
               <a:rPr lang="en-US" smtClean="0"/>
-              <a:t>1/30/2025</a:t>
+              <a:t>1/31/2025</a:t>
             </a:fld>
             <a:endParaRPr lang="en-US" dirty="0"/>
           </a:p>
@@ -13902,7 +13882,7 @@
           <a:p>
             <a:fld id="{D4B24536-994D-4021-A283-9F449C0DB509}" type="datetimeFigureOut">
               <a:rPr lang="en-US" smtClean="0"/>
-              <a:t>1/30/2025</a:t>
+              <a:t>1/31/2025</a:t>
             </a:fld>
             <a:endParaRPr lang="en-US" dirty="0"/>
           </a:p>
@@ -14825,7 +14805,7 @@
           <a:p>
             <a:fld id="{3CBBBB78-C96F-47B7-AB17-D852CA960AC9}" type="datetimeFigureOut">
               <a:rPr lang="en-US" smtClean="0"/>
-              <a:t>1/30/2025</a:t>
+              <a:t>1/31/2025</a:t>
             </a:fld>
             <a:endParaRPr lang="en-US" dirty="0"/>
           </a:p>
@@ -15148,7 +15128,7 @@
           <a:p>
             <a:fld id="{1FA3F48C-C7C6-4055-9F49-3777875E72AE}" type="datetimeFigureOut">
               <a:rPr lang="en-US" smtClean="0"/>
-              <a:t>1/30/2025</a:t>
+              <a:t>1/31/2025</a:t>
             </a:fld>
             <a:endParaRPr lang="en-US" dirty="0"/>
           </a:p>
@@ -15422,7 +15402,7 @@
           <a:p>
             <a:fld id="{6178E61D-D431-422C-9764-11DAFE33AB63}" type="datetimeFigureOut">
               <a:rPr lang="en-US" smtClean="0"/>
-              <a:t>1/30/2025</a:t>
+              <a:t>1/31/2025</a:t>
             </a:fld>
             <a:endParaRPr lang="en-US" dirty="0"/>
           </a:p>
@@ -16491,7 +16471,7 @@
           <a:p>
             <a:fld id="{12DE42F4-6EEF-4EF7-8ED4-2208F0F89A08}" type="datetimeFigureOut">
               <a:rPr lang="en-US" smtClean="0"/>
-              <a:t>1/30/2025</a:t>
+              <a:t>1/31/2025</a:t>
             </a:fld>
             <a:endParaRPr lang="en-US" dirty="0"/>
           </a:p>
@@ -16890,7 +16870,7 @@
           <a:p>
             <a:fld id="{30578ACC-22D6-47C1-A373-4FD133E34F3C}" type="datetimeFigureOut">
               <a:rPr lang="en-US" smtClean="0"/>
-              <a:t>1/30/2025</a:t>
+              <a:t>1/31/2025</a:t>
             </a:fld>
             <a:endParaRPr lang="en-US" dirty="0"/>
           </a:p>
@@ -17276,7 +17256,7 @@
           <a:p>
             <a:fld id="{4E5A6C69-6797-4E8A-BF37-F2C3751466E9}" type="datetimeFigureOut">
               <a:rPr lang="en-US" smtClean="0"/>
-              <a:t>1/30/2025</a:t>
+              <a:t>1/31/2025</a:t>
             </a:fld>
             <a:endParaRPr lang="en-US" dirty="0"/>
           </a:p>
@@ -17792,7 +17772,7 @@
           <a:p>
             <a:fld id="{D82014A1-A632-4878-A0D3-F52BA7563730}" type="datetimeFigureOut">
               <a:rPr lang="en-US" smtClean="0"/>
-              <a:t>1/30/2025</a:t>
+              <a:t>1/31/2025</a:t>
             </a:fld>
             <a:endParaRPr lang="en-US" dirty="0"/>
           </a:p>
@@ -18059,7 +18039,7 @@
           <a:p>
             <a:fld id="{CE99F462-093F-4566-844B-4C71F2739DA5}" type="datetimeFigureOut">
               <a:rPr lang="en-US" smtClean="0"/>
-              <a:t>1/30/2025</a:t>
+              <a:t>1/31/2025</a:t>
             </a:fld>
             <a:endParaRPr lang="en-US" dirty="0"/>
           </a:p>
@@ -18232,7 +18212,7 @@
           <a:p>
             <a:fld id="{3D24A7AC-904D-4781-85BA-7D10C17ED021}" type="datetimeFigureOut">
               <a:rPr lang="en-US" smtClean="0"/>
-              <a:t>1/30/2025</a:t>
+              <a:t>1/31/2025</a:t>
             </a:fld>
             <a:endParaRPr lang="en-US" dirty="0"/>
           </a:p>
@@ -18631,7 +18611,7 @@
           <a:p>
             <a:fld id="{E331444B-B92B-4E27-8C94-BB93EAF5CB18}" type="datetimeFigureOut">
               <a:rPr lang="en-US" smtClean="0"/>
-              <a:t>1/30/2025</a:t>
+              <a:t>1/31/2025</a:t>
             </a:fld>
             <a:endParaRPr lang="en-US" dirty="0"/>
           </a:p>
@@ -19050,7 +19030,7 @@
           <a:p>
             <a:fld id="{363EFA5E-FA76-400D-B3DC-F0BA90E6D107}" type="datetimeFigureOut">
               <a:rPr lang="en-US" smtClean="0"/>
-              <a:t>1/30/2025</a:t>
+              <a:t>1/31/2025</a:t>
             </a:fld>
             <a:endParaRPr lang="en-US" dirty="0"/>
           </a:p>
@@ -19304,7 +19284,7 @@
           <a:p>
             <a:fld id="{9D6E9DEC-419B-4CC5-A080-3B06BD5A8291}" type="datetimeFigureOut">
               <a:rPr lang="en-US" smtClean="0"/>
-              <a:t>1/30/2025</a:t>
+              <a:t>1/31/2025</a:t>
             </a:fld>
             <a:endParaRPr lang="en-US" dirty="0"/>
           </a:p>
@@ -22373,6 +22353,53 @@
           </a:p>
         </p:txBody>
       </p:sp>
+      <p:pic>
+        <p:nvPicPr>
+          <p:cNvPr id="2050" name="Picture 2" descr="decision-making mystery of AI chatbots ...">
+            <a:extLst>
+              <a:ext uri="{FF2B5EF4-FFF2-40B4-BE49-F238E27FC236}">
+                <a16:creationId xmlns:a16="http://schemas.microsoft.com/office/drawing/2014/main" id="{7D7D0CD7-0F52-26B9-CAB3-AA244CDDA929}"/>
+              </a:ext>
+            </a:extLst>
+          </p:cNvPr>
+          <p:cNvPicPr>
+            <a:picLocks noChangeAspect="1" noChangeArrowheads="1"/>
+          </p:cNvPicPr>
+          <p:nvPr/>
+        </p:nvPicPr>
+        <p:blipFill>
+          <a:blip r:embed="rId5">
+            <a:extLst>
+              <a:ext uri="{28A0092B-C50C-407E-A947-70E740481C1C}">
+                <a14:useLocalDpi xmlns:a14="http://schemas.microsoft.com/office/drawing/2010/main" val="0"/>
+              </a:ext>
+            </a:extLst>
+          </a:blip>
+          <a:srcRect/>
+          <a:stretch>
+            <a:fillRect/>
+          </a:stretch>
+        </p:blipFill>
+        <p:spPr bwMode="auto">
+          <a:xfrm>
+            <a:off x="5788147" y="3084498"/>
+            <a:ext cx="2857500" cy="1600200"/>
+          </a:xfrm>
+          <a:prstGeom prst="rect">
+            <a:avLst/>
+          </a:prstGeom>
+          <a:noFill/>
+          <a:extLst>
+            <a:ext uri="{909E8E84-426E-40DD-AFC4-6F175D3DCCD1}">
+              <a14:hiddenFill xmlns:a14="http://schemas.microsoft.com/office/drawing/2010/main">
+                <a:solidFill>
+                  <a:srgbClr val="FFFFFF"/>
+                </a:solidFill>
+              </a14:hiddenFill>
+            </a:ext>
+          </a:extLst>
+        </p:spPr>
+      </p:pic>
     </p:spTree>
     <p:extLst>
       <p:ext uri="{BB962C8B-B14F-4D97-AF65-F5344CB8AC3E}">
@@ -22921,8 +22948,8 @@
         </p:nvSpPr>
         <p:spPr>
           <a:xfrm>
-            <a:off x="6801563" y="1738386"/>
-            <a:ext cx="1762928" cy="1122265"/>
+            <a:off x="6599738" y="3282561"/>
+            <a:ext cx="2053608" cy="1122265"/>
           </a:xfrm>
           <a:prstGeom prst="rect">
             <a:avLst/>
@@ -22973,8 +23000,8 @@
         </p:nvSpPr>
         <p:spPr>
           <a:xfrm>
-            <a:off x="6731830" y="3384305"/>
-            <a:ext cx="1902393" cy="942978"/>
+            <a:off x="6827139" y="1746039"/>
+            <a:ext cx="1588315" cy="1122265"/>
           </a:xfrm>
           <a:prstGeom prst="rect">
             <a:avLst/>
@@ -23228,15 +23255,16 @@
             </a:extLst>
           </p:cNvPr>
           <p:cNvCxnSpPr>
+            <a:cxnSpLocks/>
             <a:stCxn id="6" idx="3"/>
-            <a:endCxn id="9" idx="1"/>
+            <a:endCxn id="10" idx="1"/>
           </p:cNvCxnSpPr>
           <p:nvPr/>
         </p:nvCxnSpPr>
         <p:spPr>
-          <a:xfrm flipV="1">
-            <a:off x="6326031" y="2299519"/>
-            <a:ext cx="475532" cy="2711"/>
+          <a:xfrm>
+            <a:off x="6326031" y="2302230"/>
+            <a:ext cx="501108" cy="4942"/>
           </a:xfrm>
           <a:prstGeom prst="straightConnector1">
             <a:avLst/>
@@ -23270,15 +23298,16 @@
             </a:extLst>
           </p:cNvPr>
           <p:cNvCxnSpPr>
-            <a:stCxn id="9" idx="2"/>
-            <a:endCxn id="10" idx="0"/>
+            <a:cxnSpLocks/>
+            <a:stCxn id="10" idx="2"/>
+            <a:endCxn id="9" idx="0"/>
           </p:cNvCxnSpPr>
           <p:nvPr/>
         </p:nvCxnSpPr>
         <p:spPr>
           <a:xfrm>
-            <a:off x="7683027" y="2860651"/>
-            <a:ext cx="0" cy="523654"/>
+            <a:off x="7621297" y="2868304"/>
+            <a:ext cx="5245" cy="414257"/>
           </a:xfrm>
           <a:prstGeom prst="straightConnector1">
             <a:avLst/>
@@ -23312,15 +23341,16 @@
             </a:extLst>
           </p:cNvPr>
           <p:cNvCxnSpPr>
-            <a:stCxn id="10" idx="1"/>
+            <a:cxnSpLocks/>
+            <a:stCxn id="9" idx="1"/>
             <a:endCxn id="13" idx="3"/>
           </p:cNvCxnSpPr>
           <p:nvPr/>
         </p:nvCxnSpPr>
         <p:spPr>
-          <a:xfrm flipH="1" flipV="1">
-            <a:off x="5753071" y="3843695"/>
-            <a:ext cx="978759" cy="12099"/>
+          <a:xfrm flipH="1">
+            <a:off x="5753071" y="3843694"/>
+            <a:ext cx="846667" cy="1"/>
           </a:xfrm>
           <a:prstGeom prst="straightConnector1">
             <a:avLst/>
@@ -23448,10 +23478,10 @@
       </p:grpSpPr>
       <p:pic>
         <p:nvPicPr>
-          <p:cNvPr id="78" name="Picture 77">
+          <p:cNvPr id="3081" name="Picture 3080">
             <a:extLst>
               <a:ext uri="{FF2B5EF4-FFF2-40B4-BE49-F238E27FC236}">
-                <a16:creationId xmlns:a16="http://schemas.microsoft.com/office/drawing/2014/main" id="{109C3D3C-5E00-40BE-B0F8-64783FF19E09}"/>
+                <a16:creationId xmlns:a16="http://schemas.microsoft.com/office/drawing/2014/main" id="{EF43138D-CA9A-4745-966F-07EE88560F47}"/>
               </a:ext>
               <a:ext uri="{C183D7F6-B498-43B3-948B-1728B52AA6E4}">
                 <adec:decorative xmlns:adec="http://schemas.microsoft.com/office/drawing/2017/decorative" val="1"/>
@@ -23494,10 +23524,10 @@
       </p:pic>
       <p:pic>
         <p:nvPicPr>
-          <p:cNvPr id="80" name="Picture 79">
+          <p:cNvPr id="3083" name="Picture 3082">
             <a:extLst>
               <a:ext uri="{FF2B5EF4-FFF2-40B4-BE49-F238E27FC236}">
-                <a16:creationId xmlns:a16="http://schemas.microsoft.com/office/drawing/2014/main" id="{E8FDAB8E-B415-49B0-9EE0-B6C3A756352A}"/>
+                <a16:creationId xmlns:a16="http://schemas.microsoft.com/office/drawing/2014/main" id="{CA012C2A-CAD4-4FC7-88BF-9DFF73BE3682}"/>
               </a:ext>
               <a:ext uri="{C183D7F6-B498-43B3-948B-1728B52AA6E4}">
                 <adec:decorative xmlns:adec="http://schemas.microsoft.com/office/drawing/2017/decorative" val="1"/>
@@ -23539,10 +23569,10 @@
       </p:pic>
       <p:pic>
         <p:nvPicPr>
-          <p:cNvPr id="82" name="Picture 81">
+          <p:cNvPr id="3085" name="Picture 3084">
             <a:extLst>
               <a:ext uri="{FF2B5EF4-FFF2-40B4-BE49-F238E27FC236}">
-                <a16:creationId xmlns:a16="http://schemas.microsoft.com/office/drawing/2014/main" id="{CBF888DA-BF80-49E1-9FB0-DFBAC7AE4B84}"/>
+                <a16:creationId xmlns:a16="http://schemas.microsoft.com/office/drawing/2014/main" id="{FDDF9A79-46CF-419A-803B-AC96F3DB5673}"/>
               </a:ext>
               <a:ext uri="{C183D7F6-B498-43B3-948B-1728B52AA6E4}">
                 <adec:decorative xmlns:adec="http://schemas.microsoft.com/office/drawing/2017/decorative" val="1"/>
@@ -23584,10 +23614,10 @@
       </p:pic>
       <p:sp>
         <p:nvSpPr>
-          <p:cNvPr id="84" name="Rectangle 83">
+          <p:cNvPr id="3087" name="Rectangle 3086">
             <a:extLst>
               <a:ext uri="{FF2B5EF4-FFF2-40B4-BE49-F238E27FC236}">
-                <a16:creationId xmlns:a16="http://schemas.microsoft.com/office/drawing/2014/main" id="{57106897-5698-42C9-9432-E00E8AE43863}"/>
+                <a16:creationId xmlns:a16="http://schemas.microsoft.com/office/drawing/2014/main" id="{832E6D14-E4A1-4DA0-A987-FDB23C63B4DD}"/>
               </a:ext>
               <a:ext uri="{C183D7F6-B498-43B3-948B-1728B52AA6E4}">
                 <adec:decorative xmlns:adec="http://schemas.microsoft.com/office/drawing/2017/decorative" val="1"/>
@@ -23605,7 +23635,7 @@
             </p:extLst>
           </p:nvPr>
         </p:nvSpPr>
-        <p:spPr>
+        <p:spPr bwMode="ltGray">
           <a:xfrm>
             <a:off x="0" y="457200"/>
             <a:ext cx="7828359" cy="1026148"/>
@@ -23649,10 +23679,10 @@
       </p:sp>
       <p:sp>
         <p:nvSpPr>
-          <p:cNvPr id="86" name="Rectangle 85">
+          <p:cNvPr id="3089" name="Rectangle 3088">
             <a:extLst>
               <a:ext uri="{FF2B5EF4-FFF2-40B4-BE49-F238E27FC236}">
-                <a16:creationId xmlns:a16="http://schemas.microsoft.com/office/drawing/2014/main" id="{628F7A47-08B1-40A2-A8A0-C8EFBF5FB954}"/>
+                <a16:creationId xmlns:a16="http://schemas.microsoft.com/office/drawing/2014/main" id="{2024BFA2-AC76-4F18-B9B8-94A238A689BB}"/>
               </a:ext>
               <a:ext uri="{C183D7F6-B498-43B3-948B-1728B52AA6E4}">
                 <adec:decorative xmlns:adec="http://schemas.microsoft.com/office/drawing/2017/decorative" val="1"/>
@@ -23711,10 +23741,10 @@
       </p:sp>
       <p:grpSp>
         <p:nvGrpSpPr>
-          <p:cNvPr id="88" name="Group 87">
+          <p:cNvPr id="3091" name="Group 3090">
             <a:extLst>
               <a:ext uri="{FF2B5EF4-FFF2-40B4-BE49-F238E27FC236}">
-                <a16:creationId xmlns:a16="http://schemas.microsoft.com/office/drawing/2014/main" id="{CA743592-A693-4947-8B39-B51AF9B26B63}"/>
+                <a16:creationId xmlns:a16="http://schemas.microsoft.com/office/drawing/2014/main" id="{944A96CB-BB2D-4B40-BD8C-C5839ECCC943}"/>
               </a:ext>
               <a:ext uri="{C183D7F6-B498-43B3-948B-1728B52AA6E4}">
                 <adec:decorative xmlns:adec="http://schemas.microsoft.com/office/drawing/2017/decorative" val="1"/>
@@ -23742,10 +23772,10 @@
         </p:grpSpPr>
         <p:sp useBgFill="1">
           <p:nvSpPr>
-            <p:cNvPr id="89" name="Rectangle 88">
+            <p:cNvPr id="3092" name="Rectangle 3091">
               <a:extLst>
                 <a:ext uri="{FF2B5EF4-FFF2-40B4-BE49-F238E27FC236}">
-                  <a16:creationId xmlns:a16="http://schemas.microsoft.com/office/drawing/2014/main" id="{016886BB-79A7-4DE8-855D-ADE221C83144}"/>
+                  <a16:creationId xmlns:a16="http://schemas.microsoft.com/office/drawing/2014/main" id="{41884710-7E7F-431C-8CCD-D090A5764DC9}"/>
                 </a:ext>
                 <a:ext uri="{C183D7F6-B498-43B3-948B-1728B52AA6E4}">
                   <adec:decorative xmlns:adec="http://schemas.microsoft.com/office/drawing/2017/decorative" val="1"/>
@@ -23800,10 +23830,10 @@
         </p:sp>
         <p:pic>
           <p:nvPicPr>
-            <p:cNvPr id="90" name="Picture 89">
+            <p:cNvPr id="3093" name="Picture 3092">
               <a:extLst>
                 <a:ext uri="{FF2B5EF4-FFF2-40B4-BE49-F238E27FC236}">
-                  <a16:creationId xmlns:a16="http://schemas.microsoft.com/office/drawing/2014/main" id="{598F3668-7E24-4834-81D7-723CA3ED48FA}"/>
+                  <a16:creationId xmlns:a16="http://schemas.microsoft.com/office/drawing/2014/main" id="{9B49AEA9-FD7E-45EC-839D-2104AE82DF16}"/>
                 </a:ext>
                 <a:ext uri="{C183D7F6-B498-43B3-948B-1728B52AA6E4}">
                   <adec:decorative xmlns:adec="http://schemas.microsoft.com/office/drawing/2017/decorative" val="1"/>
@@ -23847,439 +23877,10 @@
       </p:grpSp>
       <p:sp>
         <p:nvSpPr>
-          <p:cNvPr id="2" name="Text Placeholder 1">
+          <p:cNvPr id="3095" name="Rectangle 3094">
             <a:extLst>
               <a:ext uri="{FF2B5EF4-FFF2-40B4-BE49-F238E27FC236}">
-                <a16:creationId xmlns:a16="http://schemas.microsoft.com/office/drawing/2014/main" id="{35CECCA9-279B-FB2B-8A3F-79BE247905A1}"/>
-              </a:ext>
-            </a:extLst>
-          </p:cNvPr>
-          <p:cNvSpPr>
-            <a:spLocks noGrp="1" noChangeArrowheads="1"/>
-          </p:cNvSpPr>
-          <p:nvPr>
-            <p:ph type="body" idx="1"/>
-          </p:nvPr>
-        </p:nvSpPr>
-        <p:spPr bwMode="auto">
-          <a:xfrm>
-            <a:off x="510241" y="1752654"/>
-            <a:ext cx="3781221" cy="2825925"/>
-          </a:xfrm>
-          <a:prstGeom prst="rect">
-            <a:avLst/>
-          </a:prstGeom>
-          <a:extLst>
-            <a:ext uri="{909E8E84-426E-40DD-AFC4-6F175D3DCCD1}">
-              <a14:hiddenFill xmlns:a14="http://schemas.microsoft.com/office/drawing/2010/main">
-                <a:solidFill>
-                  <a:schemeClr val="accent1"/>
-                </a:solidFill>
-              </a14:hiddenFill>
-            </a:ext>
-            <a:ext uri="{91240B29-F687-4F45-9708-019B960494DF}">
-              <a14:hiddenLine xmlns:a14="http://schemas.microsoft.com/office/drawing/2010/main" w="9525">
-                <a:solidFill>
-                  <a:schemeClr val="tx1"/>
-                </a:solidFill>
-                <a:miter lim="800000"/>
-                <a:headEnd/>
-                <a:tailEnd/>
-              </a14:hiddenLine>
-            </a:ext>
-            <a:ext uri="{AF507438-7753-43E0-B8FC-AC1667EBCBE1}">
-              <a14:hiddenEffects xmlns:a14="http://schemas.microsoft.com/office/drawing/2010/main">
-                <a:effectLst>
-                  <a:outerShdw dist="35921" dir="2700000" algn="ctr" rotWithShape="0">
-                    <a:schemeClr val="bg2"/>
-                  </a:outerShdw>
-                </a:effectLst>
-              </a14:hiddenEffects>
-            </a:ext>
-          </a:extLst>
-        </p:spPr>
-        <p:txBody>
-          <a:bodyPr vert="horz" lIns="91440" tIns="45720" rIns="91440" bIns="45720" numCol="1" rtlCol="0" anchorCtr="0" compatLnSpc="1">
-            <a:prstTxWarp prst="textNoShape">
-              <a:avLst/>
-            </a:prstTxWarp>
-            <a:normAutofit fontScale="92500" lnSpcReduction="20000"/>
-          </a:bodyPr>
-          <a:lstStyle/>
-          <a:p>
-            <a:pPr marL="0" marR="0" lvl="0" indent="-228600" defTabSz="914400" fontAlgn="base">
-              <a:spcBef>
-                <a:spcPct val="0"/>
-              </a:spcBef>
-              <a:spcAft>
-                <a:spcPts val="600"/>
-              </a:spcAft>
-              <a:buClrTx/>
-              <a:buSzTx/>
-              <a:buFont typeface="Arial" panose="020B0604020202020204" pitchFamily="34" charset="0"/>
-              <a:buChar char="•"/>
-              <a:tabLst/>
-            </a:pPr>
-            <a:r>
-              <a:rPr kumimoji="0" lang="en-US" altLang="en-US" sz="1300" b="1" i="0" u="none" strike="noStrike" cap="none" normalizeH="0" baseline="0" dirty="0">
-                <a:ln>
-                  <a:noFill/>
-                </a:ln>
-                <a:effectLst/>
-              </a:rPr>
-              <a:t>Code Explanation</a:t>
-            </a:r>
-            <a:r>
-              <a:rPr kumimoji="0" lang="en-US" altLang="en-US" sz="1300" b="0" i="0" u="none" strike="noStrike" cap="none" normalizeH="0" baseline="0" dirty="0">
-                <a:ln>
-                  <a:noFill/>
-                </a:ln>
-                <a:effectLst/>
-              </a:rPr>
-              <a:t>:</a:t>
-            </a:r>
-          </a:p>
-          <a:p>
-            <a:pPr marL="0" marR="0" lvl="0" indent="-228600" defTabSz="914400" fontAlgn="base">
-              <a:spcBef>
-                <a:spcPct val="0"/>
-              </a:spcBef>
-              <a:spcAft>
-                <a:spcPts val="600"/>
-              </a:spcAft>
-              <a:buClrTx/>
-              <a:buSzTx/>
-              <a:buFont typeface="Arial" panose="020B0604020202020204" pitchFamily="34" charset="0"/>
-              <a:buChar char="•"/>
-              <a:tabLst/>
-            </a:pPr>
-            <a:r>
-              <a:rPr kumimoji="0" lang="en-US" altLang="en-US" sz="1300" b="1" i="0" u="none" strike="noStrike" cap="none" normalizeH="0" baseline="0" dirty="0" err="1">
-                <a:ln>
-                  <a:noFill/>
-                </a:ln>
-                <a:effectLst/>
-              </a:rPr>
-              <a:t>YouTubeTranscriptApi</a:t>
-            </a:r>
-            <a:r>
-              <a:rPr kumimoji="0" lang="en-US" altLang="en-US" sz="1300" b="0" i="0" u="none" strike="noStrike" cap="none" normalizeH="0" baseline="0" dirty="0">
-                <a:ln>
-                  <a:noFill/>
-                </a:ln>
-                <a:effectLst/>
-              </a:rPr>
-              <a:t>: Retrieves subtitles for videos using their unique IDs.</a:t>
-            </a:r>
-          </a:p>
-          <a:p>
-            <a:pPr marL="0" marR="0" lvl="0" indent="-228600" defTabSz="914400" fontAlgn="base">
-              <a:spcBef>
-                <a:spcPct val="0"/>
-              </a:spcBef>
-              <a:spcAft>
-                <a:spcPts val="600"/>
-              </a:spcAft>
-              <a:buClrTx/>
-              <a:buSzTx/>
-              <a:buFont typeface="Arial" panose="020B0604020202020204" pitchFamily="34" charset="0"/>
-              <a:buChar char="•"/>
-              <a:tabLst/>
-            </a:pPr>
-            <a:r>
-              <a:rPr kumimoji="0" lang="en-US" altLang="en-US" sz="1300" b="0" i="0" u="none" strike="noStrike" cap="none" normalizeH="0" baseline="0" dirty="0">
-                <a:ln>
-                  <a:noFill/>
-                </a:ln>
-                <a:effectLst/>
-              </a:rPr>
-              <a:t>Example Input: ['2u4ItZerRac', 'I2zF1I60hPg', ...].</a:t>
-            </a:r>
-          </a:p>
-          <a:p>
-            <a:pPr marL="0" marR="0" lvl="0" indent="-228600" defTabSz="914400" fontAlgn="base">
-              <a:spcBef>
-                <a:spcPct val="0"/>
-              </a:spcBef>
-              <a:spcAft>
-                <a:spcPts val="600"/>
-              </a:spcAft>
-              <a:buClrTx/>
-              <a:buSzTx/>
-              <a:buFont typeface="Arial" panose="020B0604020202020204" pitchFamily="34" charset="0"/>
-              <a:buChar char="•"/>
-              <a:tabLst/>
-            </a:pPr>
-            <a:r>
-              <a:rPr kumimoji="0" lang="en-US" altLang="en-US" sz="1300" b="0" i="0" u="none" strike="noStrike" cap="none" normalizeH="0" baseline="0" dirty="0">
-                <a:ln>
-                  <a:noFill/>
-                </a:ln>
-                <a:effectLst/>
-              </a:rPr>
-              <a:t>Code Sample:</a:t>
-            </a:r>
-          </a:p>
-          <a:p>
-            <a:pPr marL="0" marR="0" lvl="0" indent="-228600" defTabSz="914400" fontAlgn="base">
-              <a:spcBef>
-                <a:spcPct val="0"/>
-              </a:spcBef>
-              <a:spcAft>
-                <a:spcPts val="600"/>
-              </a:spcAft>
-              <a:buClrTx/>
-              <a:buSzTx/>
-              <a:buFont typeface="Arial" panose="020B0604020202020204" pitchFamily="34" charset="0"/>
-              <a:buChar char="•"/>
-              <a:tabLst/>
-            </a:pPr>
-            <a:r>
-              <a:rPr kumimoji="0" lang="en-US" altLang="en-US" sz="1300" b="0" i="0" u="none" strike="noStrike" cap="none" normalizeH="0" baseline="0" dirty="0">
-                <a:ln>
-                  <a:noFill/>
-                </a:ln>
-                <a:effectLst/>
-              </a:rPr>
-              <a:t>python</a:t>
-            </a:r>
-          </a:p>
-          <a:p>
-            <a:pPr marL="0" marR="0" lvl="0" indent="-228600" defTabSz="914400" fontAlgn="base">
-              <a:spcBef>
-                <a:spcPct val="0"/>
-              </a:spcBef>
-              <a:spcAft>
-                <a:spcPts val="600"/>
-              </a:spcAft>
-              <a:buClrTx/>
-              <a:buSzTx/>
-              <a:buFont typeface="Arial" panose="020B0604020202020204" pitchFamily="34" charset="0"/>
-              <a:buChar char="•"/>
-              <a:tabLst/>
-            </a:pPr>
-            <a:r>
-              <a:rPr kumimoji="0" lang="en-US" altLang="en-US" sz="1300" b="0" i="0" u="none" strike="noStrike" cap="none" normalizeH="0" baseline="0" dirty="0" err="1">
-                <a:ln>
-                  <a:noFill/>
-                </a:ln>
-                <a:effectLst/>
-              </a:rPr>
-              <a:t>transcript_data</a:t>
-            </a:r>
-            <a:r>
-              <a:rPr kumimoji="0" lang="en-US" altLang="en-US" sz="1300" b="0" i="0" u="none" strike="noStrike" cap="none" normalizeH="0" baseline="0" dirty="0">
-                <a:ln>
-                  <a:noFill/>
-                </a:ln>
-                <a:effectLst/>
-              </a:rPr>
-              <a:t> = </a:t>
-            </a:r>
-            <a:r>
-              <a:rPr kumimoji="0" lang="en-US" altLang="en-US" sz="1300" b="0" i="0" u="none" strike="noStrike" cap="none" normalizeH="0" baseline="0" dirty="0" err="1">
-                <a:ln>
-                  <a:noFill/>
-                </a:ln>
-                <a:effectLst/>
-              </a:rPr>
-              <a:t>YouTubeTranscriptApi.get_transcript</a:t>
-            </a:r>
-            <a:r>
-              <a:rPr kumimoji="0" lang="en-US" altLang="en-US" sz="1300" b="0" i="0" u="none" strike="noStrike" cap="none" normalizeH="0" baseline="0" dirty="0">
-                <a:ln>
-                  <a:noFill/>
-                </a:ln>
-                <a:effectLst/>
-              </a:rPr>
-              <a:t>(</a:t>
-            </a:r>
-            <a:r>
-              <a:rPr kumimoji="0" lang="en-US" altLang="en-US" sz="1300" b="0" i="0" u="none" strike="noStrike" cap="none" normalizeH="0" baseline="0" dirty="0" err="1">
-                <a:ln>
-                  <a:noFill/>
-                </a:ln>
-                <a:effectLst/>
-              </a:rPr>
-              <a:t>video_id</a:t>
-            </a:r>
-            <a:r>
-              <a:rPr kumimoji="0" lang="en-US" altLang="en-US" sz="1300" b="0" i="0" u="none" strike="noStrike" cap="none" normalizeH="0" baseline="0" dirty="0">
-                <a:ln>
-                  <a:noFill/>
-                </a:ln>
-                <a:effectLst/>
-              </a:rPr>
-              <a:t>) </a:t>
-            </a:r>
-          </a:p>
-          <a:p>
-            <a:pPr marL="0" marR="0" lvl="0" indent="-228600" defTabSz="914400" fontAlgn="base">
-              <a:spcBef>
-                <a:spcPct val="0"/>
-              </a:spcBef>
-              <a:spcAft>
-                <a:spcPts val="600"/>
-              </a:spcAft>
-              <a:buClrTx/>
-              <a:buSzTx/>
-              <a:buFont typeface="Arial" panose="020B0604020202020204" pitchFamily="34" charset="0"/>
-              <a:buChar char="•"/>
-              <a:tabLst/>
-            </a:pPr>
-            <a:r>
-              <a:rPr kumimoji="0" lang="en-US" altLang="en-US" sz="1300" b="0" i="0" u="none" strike="noStrike" cap="none" normalizeH="0" baseline="0" dirty="0">
-                <a:ln>
-                  <a:noFill/>
-                </a:ln>
-                <a:effectLst/>
-              </a:rPr>
-              <a:t>Outputs: Raw text transcripts combined into full video summaries.</a:t>
-            </a:r>
-          </a:p>
-          <a:p>
-            <a:pPr marL="0" marR="0" lvl="0" indent="-228600" defTabSz="914400" fontAlgn="base">
-              <a:spcBef>
-                <a:spcPct val="0"/>
-              </a:spcBef>
-              <a:spcAft>
-                <a:spcPts val="600"/>
-              </a:spcAft>
-              <a:buClrTx/>
-              <a:buSzTx/>
-              <a:buFont typeface="Arial" panose="020B0604020202020204" pitchFamily="34" charset="0"/>
-              <a:buChar char="•"/>
-              <a:tabLst/>
-            </a:pPr>
-            <a:r>
-              <a:rPr kumimoji="0" lang="en-US" altLang="en-US" sz="1300" b="1" i="0" u="none" strike="noStrike" cap="none" normalizeH="0" baseline="0" dirty="0">
-                <a:ln>
-                  <a:noFill/>
-                </a:ln>
-                <a:effectLst/>
-              </a:rPr>
-              <a:t>Challenges</a:t>
-            </a:r>
-            <a:r>
-              <a:rPr kumimoji="0" lang="en-US" altLang="en-US" sz="1300" b="0" i="0" u="none" strike="noStrike" cap="none" normalizeH="0" baseline="0" dirty="0">
-                <a:ln>
-                  <a:noFill/>
-                </a:ln>
-                <a:effectLst/>
-              </a:rPr>
-              <a:t>:</a:t>
-            </a:r>
-          </a:p>
-          <a:p>
-            <a:pPr marL="0" marR="0" lvl="0" indent="-228600" defTabSz="914400" fontAlgn="base">
-              <a:spcBef>
-                <a:spcPct val="0"/>
-              </a:spcBef>
-              <a:spcAft>
-                <a:spcPts val="600"/>
-              </a:spcAft>
-              <a:buClrTx/>
-              <a:buSzTx/>
-              <a:buFont typeface="Arial" panose="020B0604020202020204" pitchFamily="34" charset="0"/>
-              <a:buChar char="•"/>
-              <a:tabLst/>
-            </a:pPr>
-            <a:r>
-              <a:rPr kumimoji="0" lang="en-US" altLang="en-US" sz="1300" b="0" i="0" u="none" strike="noStrike" cap="none" normalizeH="0" baseline="0" dirty="0">
-                <a:ln>
-                  <a:noFill/>
-                </a:ln>
-                <a:effectLst/>
-              </a:rPr>
-              <a:t>Some videos may not have transcripts.</a:t>
-            </a:r>
-          </a:p>
-          <a:p>
-            <a:pPr marL="0" marR="0" lvl="0" indent="-228600" defTabSz="914400" fontAlgn="base">
-              <a:spcBef>
-                <a:spcPct val="0"/>
-              </a:spcBef>
-              <a:spcAft>
-                <a:spcPts val="600"/>
-              </a:spcAft>
-              <a:buClrTx/>
-              <a:buSzTx/>
-              <a:buFont typeface="Arial" panose="020B0604020202020204" pitchFamily="34" charset="0"/>
-              <a:buChar char="•"/>
-              <a:tabLst/>
-            </a:pPr>
-            <a:r>
-              <a:rPr kumimoji="0" lang="en-US" altLang="en-US" sz="1300" b="0" i="0" u="none" strike="noStrike" cap="none" normalizeH="0" baseline="0" dirty="0">
-                <a:ln>
-                  <a:noFill/>
-                </a:ln>
-                <a:effectLst/>
-              </a:rPr>
-              <a:t>Errors due to unavailable subtitles are handled with try-except.</a:t>
-            </a:r>
-          </a:p>
-          <a:p>
-            <a:pPr marL="0" marR="0" lvl="0" indent="-228600" defTabSz="914400" fontAlgn="base">
-              <a:spcBef>
-                <a:spcPct val="0"/>
-              </a:spcBef>
-              <a:spcAft>
-                <a:spcPts val="600"/>
-              </a:spcAft>
-              <a:buClrTx/>
-              <a:buSzTx/>
-              <a:buFont typeface="Arial" panose="020B0604020202020204" pitchFamily="34" charset="0"/>
-              <a:buChar char="•"/>
-              <a:tabLst/>
-            </a:pPr>
-            <a:endParaRPr kumimoji="0" lang="en-US" altLang="en-US" sz="900" b="0" i="0" u="none" strike="noStrike" cap="none" normalizeH="0" baseline="0" dirty="0">
-              <a:ln>
-                <a:noFill/>
-              </a:ln>
-              <a:effectLst/>
-            </a:endParaRPr>
-          </a:p>
-        </p:txBody>
-      </p:sp>
-      <p:pic>
-        <p:nvPicPr>
-          <p:cNvPr id="74" name="Picture 73" descr="Computer script on a screen">
-            <a:extLst>
-              <a:ext uri="{FF2B5EF4-FFF2-40B4-BE49-F238E27FC236}">
-                <a16:creationId xmlns:a16="http://schemas.microsoft.com/office/drawing/2014/main" id="{3E57B80B-3728-D138-634C-FF3F23197930}"/>
-              </a:ext>
-            </a:extLst>
-          </p:cNvPr>
-          <p:cNvPicPr>
-            <a:picLocks noChangeAspect="1"/>
-          </p:cNvPicPr>
-          <p:nvPr/>
-        </p:nvPicPr>
-        <p:blipFill>
-          <a:blip r:embed="rId6"/>
-          <a:srcRect l="455" r="40227" b="-1"/>
-          <a:stretch/>
-        </p:blipFill>
-        <p:spPr>
-          <a:xfrm>
-            <a:off x="4572000" y="10"/>
-            <a:ext cx="4569617" cy="5142230"/>
-          </a:xfrm>
-          <a:prstGeom prst="rect">
-            <a:avLst/>
-          </a:prstGeom>
-          <a:ln>
-            <a:noFill/>
-          </a:ln>
-          <a:effectLst/>
-        </p:spPr>
-      </p:pic>
-      <p:sp>
-        <p:nvSpPr>
-          <p:cNvPr id="92" name="Rectangle 91">
-            <a:extLst>
-              <a:ext uri="{FF2B5EF4-FFF2-40B4-BE49-F238E27FC236}">
-                <a16:creationId xmlns:a16="http://schemas.microsoft.com/office/drawing/2014/main" id="{011BF1CF-8959-4DFB-9A02-7E686D512DA9}"/>
+                <a16:creationId xmlns:a16="http://schemas.microsoft.com/office/drawing/2014/main" id="{2F91778B-00FB-453F-8BAB-74DCA6DE8FC5}"/>
               </a:ext>
               <a:ext uri="{C183D7F6-B498-43B3-948B-1728B52AA6E4}">
                 <adec:decorative xmlns:adec="http://schemas.microsoft.com/office/drawing/2017/decorative" val="1"/>
@@ -24352,7 +23953,7 @@
         <p:spPr>
           <a:xfrm>
             <a:off x="510240" y="564921"/>
-            <a:ext cx="3781222" cy="810703"/>
+            <a:ext cx="4224186" cy="810703"/>
           </a:xfrm>
           <a:prstGeom prst="rect">
             <a:avLst/>
@@ -24381,10 +23982,10 @@
       </p:sp>
       <p:pic>
         <p:nvPicPr>
-          <p:cNvPr id="94" name="Picture 93">
+          <p:cNvPr id="3097" name="Picture 3096">
             <a:extLst>
               <a:ext uri="{FF2B5EF4-FFF2-40B4-BE49-F238E27FC236}">
-                <a16:creationId xmlns:a16="http://schemas.microsoft.com/office/drawing/2014/main" id="{C614D39E-6EA9-4C3C-9997-993268449EE1}"/>
+                <a16:creationId xmlns:a16="http://schemas.microsoft.com/office/drawing/2014/main" id="{0927C77F-5BD7-4AC2-8A93-18341CB58791}"/>
               </a:ext>
               <a:ext uri="{C183D7F6-B498-43B3-948B-1728B52AA6E4}">
                 <adec:decorative xmlns:adec="http://schemas.microsoft.com/office/drawing/2017/decorative" val="1"/>
@@ -24422,6 +24023,451 @@
           <a:prstGeom prst="rect">
             <a:avLst/>
           </a:prstGeom>
+        </p:spPr>
+      </p:pic>
+      <p:sp>
+        <p:nvSpPr>
+          <p:cNvPr id="2" name="Text Placeholder 1">
+            <a:extLst>
+              <a:ext uri="{FF2B5EF4-FFF2-40B4-BE49-F238E27FC236}">
+                <a16:creationId xmlns:a16="http://schemas.microsoft.com/office/drawing/2014/main" id="{35CECCA9-279B-FB2B-8A3F-79BE247905A1}"/>
+              </a:ext>
+            </a:extLst>
+          </p:cNvPr>
+          <p:cNvSpPr>
+            <a:spLocks noGrp="1" noChangeArrowheads="1"/>
+          </p:cNvSpPr>
+          <p:nvPr>
+            <p:ph type="body" idx="1"/>
+          </p:nvPr>
+        </p:nvSpPr>
+        <p:spPr bwMode="auto">
+          <a:xfrm>
+            <a:off x="510241" y="1752654"/>
+            <a:ext cx="4224185" cy="2699487"/>
+          </a:xfrm>
+          <a:prstGeom prst="rect">
+            <a:avLst/>
+          </a:prstGeom>
+          <a:extLst>
+            <a:ext uri="{909E8E84-426E-40DD-AFC4-6F175D3DCCD1}">
+              <a14:hiddenFill xmlns:a14="http://schemas.microsoft.com/office/drawing/2010/main">
+                <a:solidFill>
+                  <a:schemeClr val="accent1"/>
+                </a:solidFill>
+              </a14:hiddenFill>
+            </a:ext>
+            <a:ext uri="{91240B29-F687-4F45-9708-019B960494DF}">
+              <a14:hiddenLine xmlns:a14="http://schemas.microsoft.com/office/drawing/2010/main" w="9525">
+                <a:solidFill>
+                  <a:schemeClr val="tx1"/>
+                </a:solidFill>
+                <a:miter lim="800000"/>
+                <a:headEnd/>
+                <a:tailEnd/>
+              </a14:hiddenLine>
+            </a:ext>
+            <a:ext uri="{AF507438-7753-43E0-B8FC-AC1667EBCBE1}">
+              <a14:hiddenEffects xmlns:a14="http://schemas.microsoft.com/office/drawing/2010/main">
+                <a:effectLst>
+                  <a:outerShdw dist="35921" dir="2700000" algn="ctr" rotWithShape="0">
+                    <a:schemeClr val="bg2"/>
+                  </a:outerShdw>
+                </a:effectLst>
+              </a14:hiddenEffects>
+            </a:ext>
+          </a:extLst>
+        </p:spPr>
+        <p:txBody>
+          <a:bodyPr vert="horz" lIns="91440" tIns="45720" rIns="91440" bIns="45720" numCol="1" rtlCol="0" anchorCtr="0" compatLnSpc="1">
+            <a:prstTxWarp prst="textNoShape">
+              <a:avLst/>
+            </a:prstTxWarp>
+            <a:normAutofit/>
+          </a:bodyPr>
+          <a:lstStyle/>
+          <a:p>
+            <a:pPr marL="0" marR="0" lvl="0" indent="-228600" defTabSz="914400" fontAlgn="base">
+              <a:spcBef>
+                <a:spcPct val="0"/>
+              </a:spcBef>
+              <a:spcAft>
+                <a:spcPts val="600"/>
+              </a:spcAft>
+              <a:buClrTx/>
+              <a:buSzTx/>
+              <a:buFont typeface="Arial" panose="020B0604020202020204" pitchFamily="34" charset="0"/>
+              <a:buChar char="•"/>
+              <a:tabLst/>
+            </a:pPr>
+            <a:r>
+              <a:rPr kumimoji="0" lang="en-US" altLang="en-US" sz="900" b="1" i="0" u="none" strike="noStrike" cap="none" normalizeH="0" baseline="0">
+                <a:ln>
+                  <a:noFill/>
+                </a:ln>
+                <a:effectLst/>
+              </a:rPr>
+              <a:t>Code Explanation</a:t>
+            </a:r>
+            <a:r>
+              <a:rPr kumimoji="0" lang="en-US" altLang="en-US" sz="900" b="0" i="0" u="none" strike="noStrike" cap="none" normalizeH="0" baseline="0">
+                <a:ln>
+                  <a:noFill/>
+                </a:ln>
+                <a:effectLst/>
+              </a:rPr>
+              <a:t>:</a:t>
+            </a:r>
+          </a:p>
+          <a:p>
+            <a:pPr marL="0" marR="0" lvl="0" indent="-228600" defTabSz="914400" fontAlgn="base">
+              <a:spcBef>
+                <a:spcPct val="0"/>
+              </a:spcBef>
+              <a:spcAft>
+                <a:spcPts val="600"/>
+              </a:spcAft>
+              <a:buClrTx/>
+              <a:buSzTx/>
+              <a:buFont typeface="Arial" panose="020B0604020202020204" pitchFamily="34" charset="0"/>
+              <a:buChar char="•"/>
+              <a:tabLst/>
+            </a:pPr>
+            <a:r>
+              <a:rPr kumimoji="0" lang="en-US" altLang="en-US" sz="900" b="1" i="0" u="none" strike="noStrike" cap="none" normalizeH="0" baseline="0">
+                <a:ln>
+                  <a:noFill/>
+                </a:ln>
+                <a:effectLst/>
+              </a:rPr>
+              <a:t>YouTubeTranscriptApi</a:t>
+            </a:r>
+            <a:r>
+              <a:rPr kumimoji="0" lang="en-US" altLang="en-US" sz="900" b="0" i="0" u="none" strike="noStrike" cap="none" normalizeH="0" baseline="0">
+                <a:ln>
+                  <a:noFill/>
+                </a:ln>
+                <a:effectLst/>
+              </a:rPr>
+              <a:t>: Retrieves subtitles for videos using their unique IDs.</a:t>
+            </a:r>
+          </a:p>
+          <a:p>
+            <a:pPr marL="0" marR="0" lvl="0" indent="-228600" defTabSz="914400" fontAlgn="base">
+              <a:spcBef>
+                <a:spcPct val="0"/>
+              </a:spcBef>
+              <a:spcAft>
+                <a:spcPts val="600"/>
+              </a:spcAft>
+              <a:buClrTx/>
+              <a:buSzTx/>
+              <a:buFont typeface="Arial" panose="020B0604020202020204" pitchFamily="34" charset="0"/>
+              <a:buChar char="•"/>
+              <a:tabLst/>
+            </a:pPr>
+            <a:r>
+              <a:rPr kumimoji="0" lang="en-US" altLang="en-US" sz="900" b="0" i="0" u="none" strike="noStrike" cap="none" normalizeH="0" baseline="0">
+                <a:ln>
+                  <a:noFill/>
+                </a:ln>
+                <a:effectLst/>
+              </a:rPr>
+              <a:t>Example Input: ['2u4ItZerRac', 'I2zF1I60hPg', ...].</a:t>
+            </a:r>
+          </a:p>
+          <a:p>
+            <a:pPr marL="0" marR="0" lvl="0" indent="-228600" defTabSz="914400" fontAlgn="base">
+              <a:spcBef>
+                <a:spcPct val="0"/>
+              </a:spcBef>
+              <a:spcAft>
+                <a:spcPts val="600"/>
+              </a:spcAft>
+              <a:buClrTx/>
+              <a:buSzTx/>
+              <a:buFont typeface="Arial" panose="020B0604020202020204" pitchFamily="34" charset="0"/>
+              <a:buChar char="•"/>
+              <a:tabLst/>
+            </a:pPr>
+            <a:r>
+              <a:rPr kumimoji="0" lang="en-US" altLang="en-US" sz="900" b="0" i="0" u="none" strike="noStrike" cap="none" normalizeH="0" baseline="0">
+                <a:ln>
+                  <a:noFill/>
+                </a:ln>
+                <a:effectLst/>
+              </a:rPr>
+              <a:t>Code Sample:</a:t>
+            </a:r>
+          </a:p>
+          <a:p>
+            <a:pPr marL="0" marR="0" lvl="0" indent="-228600" defTabSz="914400" fontAlgn="base">
+              <a:spcBef>
+                <a:spcPct val="0"/>
+              </a:spcBef>
+              <a:spcAft>
+                <a:spcPts val="600"/>
+              </a:spcAft>
+              <a:buClrTx/>
+              <a:buSzTx/>
+              <a:buFont typeface="Arial" panose="020B0604020202020204" pitchFamily="34" charset="0"/>
+              <a:buChar char="•"/>
+              <a:tabLst/>
+            </a:pPr>
+            <a:r>
+              <a:rPr kumimoji="0" lang="en-US" altLang="en-US" sz="900" b="0" i="0" u="none" strike="noStrike" cap="none" normalizeH="0" baseline="0">
+                <a:ln>
+                  <a:noFill/>
+                </a:ln>
+                <a:effectLst/>
+              </a:rPr>
+              <a:t>python</a:t>
+            </a:r>
+          </a:p>
+          <a:p>
+            <a:pPr marL="0" marR="0" lvl="0" indent="-228600" defTabSz="914400" fontAlgn="base">
+              <a:spcBef>
+                <a:spcPct val="0"/>
+              </a:spcBef>
+              <a:spcAft>
+                <a:spcPts val="600"/>
+              </a:spcAft>
+              <a:buClrTx/>
+              <a:buSzTx/>
+              <a:buFont typeface="Arial" panose="020B0604020202020204" pitchFamily="34" charset="0"/>
+              <a:buChar char="•"/>
+              <a:tabLst/>
+            </a:pPr>
+            <a:r>
+              <a:rPr kumimoji="0" lang="en-US" altLang="en-US" sz="900" b="0" i="0" u="none" strike="noStrike" cap="none" normalizeH="0" baseline="0">
+                <a:ln>
+                  <a:noFill/>
+                </a:ln>
+                <a:effectLst/>
+              </a:rPr>
+              <a:t>transcript_data = YouTubeTranscriptApi.get_transcript(video_id) </a:t>
+            </a:r>
+          </a:p>
+          <a:p>
+            <a:pPr marL="0" marR="0" lvl="0" indent="-228600" defTabSz="914400" fontAlgn="base">
+              <a:spcBef>
+                <a:spcPct val="0"/>
+              </a:spcBef>
+              <a:spcAft>
+                <a:spcPts val="600"/>
+              </a:spcAft>
+              <a:buClrTx/>
+              <a:buSzTx/>
+              <a:buFont typeface="Arial" panose="020B0604020202020204" pitchFamily="34" charset="0"/>
+              <a:buChar char="•"/>
+              <a:tabLst/>
+            </a:pPr>
+            <a:r>
+              <a:rPr kumimoji="0" lang="en-US" altLang="en-US" sz="900" b="0" i="0" u="none" strike="noStrike" cap="none" normalizeH="0" baseline="0">
+                <a:ln>
+                  <a:noFill/>
+                </a:ln>
+                <a:effectLst/>
+              </a:rPr>
+              <a:t>Outputs: Raw text transcripts combined into full video summaries.</a:t>
+            </a:r>
+          </a:p>
+          <a:p>
+            <a:pPr marL="0" marR="0" lvl="0" indent="-228600" defTabSz="914400" fontAlgn="base">
+              <a:spcBef>
+                <a:spcPct val="0"/>
+              </a:spcBef>
+              <a:spcAft>
+                <a:spcPts val="600"/>
+              </a:spcAft>
+              <a:buClrTx/>
+              <a:buSzTx/>
+              <a:buFont typeface="Arial" panose="020B0604020202020204" pitchFamily="34" charset="0"/>
+              <a:buChar char="•"/>
+              <a:tabLst/>
+            </a:pPr>
+            <a:r>
+              <a:rPr kumimoji="0" lang="en-US" altLang="en-US" sz="900" b="1" i="0" u="none" strike="noStrike" cap="none" normalizeH="0" baseline="0">
+                <a:ln>
+                  <a:noFill/>
+                </a:ln>
+                <a:effectLst/>
+              </a:rPr>
+              <a:t>Challenges</a:t>
+            </a:r>
+            <a:r>
+              <a:rPr kumimoji="0" lang="en-US" altLang="en-US" sz="900" b="0" i="0" u="none" strike="noStrike" cap="none" normalizeH="0" baseline="0">
+                <a:ln>
+                  <a:noFill/>
+                </a:ln>
+                <a:effectLst/>
+              </a:rPr>
+              <a:t>:</a:t>
+            </a:r>
+          </a:p>
+          <a:p>
+            <a:pPr marL="0" marR="0" lvl="0" indent="-228600" defTabSz="914400" fontAlgn="base">
+              <a:spcBef>
+                <a:spcPct val="0"/>
+              </a:spcBef>
+              <a:spcAft>
+                <a:spcPts val="600"/>
+              </a:spcAft>
+              <a:buClrTx/>
+              <a:buSzTx/>
+              <a:buFont typeface="Arial" panose="020B0604020202020204" pitchFamily="34" charset="0"/>
+              <a:buChar char="•"/>
+              <a:tabLst/>
+            </a:pPr>
+            <a:r>
+              <a:rPr kumimoji="0" lang="en-US" altLang="en-US" sz="900" b="0" i="0" u="none" strike="noStrike" cap="none" normalizeH="0" baseline="0">
+                <a:ln>
+                  <a:noFill/>
+                </a:ln>
+                <a:effectLst/>
+              </a:rPr>
+              <a:t>Some videos may not have transcripts.</a:t>
+            </a:r>
+          </a:p>
+          <a:p>
+            <a:pPr marL="0" marR="0" lvl="0" indent="-228600" defTabSz="914400" fontAlgn="base">
+              <a:spcBef>
+                <a:spcPct val="0"/>
+              </a:spcBef>
+              <a:spcAft>
+                <a:spcPts val="600"/>
+              </a:spcAft>
+              <a:buClrTx/>
+              <a:buSzTx/>
+              <a:buFont typeface="Arial" panose="020B0604020202020204" pitchFamily="34" charset="0"/>
+              <a:buChar char="•"/>
+              <a:tabLst/>
+            </a:pPr>
+            <a:r>
+              <a:rPr kumimoji="0" lang="en-US" altLang="en-US" sz="900" b="0" i="0" u="none" strike="noStrike" cap="none" normalizeH="0" baseline="0">
+                <a:ln>
+                  <a:noFill/>
+                </a:ln>
+                <a:effectLst/>
+              </a:rPr>
+              <a:t>Errors due to unavailable subtitles are handled with try-except.</a:t>
+            </a:r>
+          </a:p>
+          <a:p>
+            <a:pPr marL="0" marR="0" lvl="0" indent="-228600" defTabSz="914400" fontAlgn="base">
+              <a:spcBef>
+                <a:spcPct val="0"/>
+              </a:spcBef>
+              <a:spcAft>
+                <a:spcPts val="600"/>
+              </a:spcAft>
+              <a:buClrTx/>
+              <a:buSzTx/>
+              <a:buFont typeface="Arial" panose="020B0604020202020204" pitchFamily="34" charset="0"/>
+              <a:buChar char="•"/>
+              <a:tabLst/>
+            </a:pPr>
+            <a:endParaRPr kumimoji="0" lang="en-US" altLang="en-US" sz="900" b="0" i="0" u="none" strike="noStrike" cap="none" normalizeH="0" baseline="0" dirty="0">
+              <a:ln>
+                <a:noFill/>
+              </a:ln>
+              <a:effectLst/>
+            </a:endParaRPr>
+          </a:p>
+        </p:txBody>
+      </p:sp>
+      <p:pic>
+        <p:nvPicPr>
+          <p:cNvPr id="74" name="Picture 73" descr="Computer script on a screen">
+            <a:extLst>
+              <a:ext uri="{FF2B5EF4-FFF2-40B4-BE49-F238E27FC236}">
+                <a16:creationId xmlns:a16="http://schemas.microsoft.com/office/drawing/2014/main" id="{3E57B80B-3728-D138-634C-FF3F23197930}"/>
+              </a:ext>
+            </a:extLst>
+          </p:cNvPr>
+          <p:cNvPicPr>
+            <a:picLocks noChangeAspect="1"/>
+          </p:cNvPicPr>
+          <p:nvPr/>
+        </p:nvPicPr>
+        <p:blipFill>
+          <a:blip r:embed="rId6"/>
+          <a:srcRect t="4141" r="4" b="5842"/>
+          <a:stretch/>
+        </p:blipFill>
+        <p:spPr>
+          <a:xfrm>
+            <a:off x="5238290" y="363474"/>
+            <a:ext cx="3539854" cy="2127063"/>
+          </a:xfrm>
+          <a:prstGeom prst="rect">
+            <a:avLst/>
+          </a:prstGeom>
+          <a:ln>
+            <a:noFill/>
+          </a:ln>
+          <a:effectLst>
+            <a:outerShdw blurRad="76200" dist="63500" dir="5040000" algn="tl" rotWithShape="0">
+              <a:srgbClr val="000000">
+                <a:alpha val="41000"/>
+              </a:srgbClr>
+            </a:outerShdw>
+          </a:effectLst>
+        </p:spPr>
+      </p:pic>
+      <p:pic>
+        <p:nvPicPr>
+          <p:cNvPr id="3076" name="Picture 4" descr="Summarize Youtube Transcripts using AI | by Anassmoumni | Medium">
+            <a:extLst>
+              <a:ext uri="{FF2B5EF4-FFF2-40B4-BE49-F238E27FC236}">
+                <a16:creationId xmlns:a16="http://schemas.microsoft.com/office/drawing/2014/main" id="{EC6C31A7-EAC6-2A45-2D60-01C64F1C9B40}"/>
+              </a:ext>
+            </a:extLst>
+          </p:cNvPr>
+          <p:cNvPicPr>
+            <a:picLocks noChangeAspect="1" noChangeArrowheads="1"/>
+          </p:cNvPicPr>
+          <p:nvPr/>
+        </p:nvPicPr>
+        <p:blipFill>
+          <a:blip r:embed="rId7">
+            <a:extLst>
+              <a:ext uri="{28A0092B-C50C-407E-A947-70E740481C1C}">
+                <a14:useLocalDpi xmlns:a14="http://schemas.microsoft.com/office/drawing/2010/main" val="0"/>
+              </a:ext>
+            </a:extLst>
+          </a:blip>
+          <a:srcRect r="7960" b="-2"/>
+          <a:stretch/>
+        </p:blipFill>
+        <p:spPr bwMode="auto">
+          <a:xfrm>
+            <a:off x="5238289" y="2724300"/>
+            <a:ext cx="3539854" cy="2057648"/>
+          </a:xfrm>
+          <a:prstGeom prst="rect">
+            <a:avLst/>
+          </a:prstGeom>
+          <a:noFill/>
+          <a:ln>
+            <a:noFill/>
+          </a:ln>
+          <a:effectLst>
+            <a:outerShdw blurRad="76200" dist="63500" dir="5040000" algn="tl" rotWithShape="0">
+              <a:srgbClr val="000000">
+                <a:alpha val="41000"/>
+              </a:srgbClr>
+            </a:outerShdw>
+          </a:effectLst>
+          <a:extLst>
+            <a:ext uri="{909E8E84-426E-40DD-AFC4-6F175D3DCCD1}">
+              <a14:hiddenFill xmlns:a14="http://schemas.microsoft.com/office/drawing/2010/main">
+                <a:solidFill>
+                  <a:srgbClr val="FFFFFF"/>
+                </a:solidFill>
+              </a14:hiddenFill>
+            </a:ext>
+          </a:extLst>
         </p:spPr>
       </p:pic>
     </p:spTree>
@@ -26258,7 +26304,7 @@
           <p:nvPr>
             <p:extLst>
               <p:ext uri="{D42A27DB-BD31-4B8C-83A1-F6EECF244321}">
-                <p14:modId xmlns:p14="http://schemas.microsoft.com/office/powerpoint/2010/main" val="577268257"/>
+                <p14:modId xmlns:p14="http://schemas.microsoft.com/office/powerpoint/2010/main" val="2945454445"/>
               </p:ext>
             </p:extLst>
           </p:nvPr>
@@ -26273,6 +26319,237 @@
           </a:graphicData>
         </a:graphic>
       </p:graphicFrame>
+      <p:pic>
+        <p:nvPicPr>
+          <p:cNvPr id="1026" name="Picture 2" descr="How Developers Can Use GPT-3.5 Turbo to ...">
+            <a:extLst>
+              <a:ext uri="{FF2B5EF4-FFF2-40B4-BE49-F238E27FC236}">
+                <a16:creationId xmlns:a16="http://schemas.microsoft.com/office/drawing/2014/main" id="{5EC0BDF2-A5F3-E27F-390E-B54BB7ECE743}"/>
+              </a:ext>
+            </a:extLst>
+          </p:cNvPr>
+          <p:cNvPicPr>
+            <a:picLocks noChangeAspect="1" noChangeArrowheads="1"/>
+          </p:cNvPicPr>
+          <p:nvPr/>
+        </p:nvPicPr>
+        <p:blipFill>
+          <a:blip r:embed="rId11">
+            <a:extLst>
+              <a:ext uri="{28A0092B-C50C-407E-A947-70E740481C1C}">
+                <a14:useLocalDpi xmlns:a14="http://schemas.microsoft.com/office/drawing/2010/main" val="0"/>
+              </a:ext>
+            </a:extLst>
+          </a:blip>
+          <a:srcRect/>
+          <a:stretch>
+            <a:fillRect/>
+          </a:stretch>
+        </p:blipFill>
+        <p:spPr bwMode="auto">
+          <a:xfrm>
+            <a:off x="324229" y="2295449"/>
+            <a:ext cx="1225872" cy="520644"/>
+          </a:xfrm>
+          <a:prstGeom prst="rect">
+            <a:avLst/>
+          </a:prstGeom>
+          <a:noFill/>
+          <a:extLst>
+            <a:ext uri="{909E8E84-426E-40DD-AFC4-6F175D3DCCD1}">
+              <a14:hiddenFill xmlns:a14="http://schemas.microsoft.com/office/drawing/2010/main">
+                <a:solidFill>
+                  <a:srgbClr val="FFFFFF"/>
+                </a:solidFill>
+              </a14:hiddenFill>
+            </a:ext>
+          </a:extLst>
+        </p:spPr>
+      </p:pic>
+      <p:pic>
+        <p:nvPicPr>
+          <p:cNvPr id="1030" name="Picture 6" descr="Second-Generation Embedding Model ...">
+            <a:extLst>
+              <a:ext uri="{FF2B5EF4-FFF2-40B4-BE49-F238E27FC236}">
+                <a16:creationId xmlns:a16="http://schemas.microsoft.com/office/drawing/2014/main" id="{3B5B8406-CD7D-D6A3-41C3-72A17715E359}"/>
+              </a:ext>
+            </a:extLst>
+          </p:cNvPr>
+          <p:cNvPicPr>
+            <a:picLocks noChangeAspect="1" noChangeArrowheads="1"/>
+          </p:cNvPicPr>
+          <p:nvPr/>
+        </p:nvPicPr>
+        <p:blipFill>
+          <a:blip r:embed="rId12">
+            <a:extLst>
+              <a:ext uri="{28A0092B-C50C-407E-A947-70E740481C1C}">
+                <a14:useLocalDpi xmlns:a14="http://schemas.microsoft.com/office/drawing/2010/main" val="0"/>
+              </a:ext>
+            </a:extLst>
+          </a:blip>
+          <a:srcRect/>
+          <a:stretch>
+            <a:fillRect/>
+          </a:stretch>
+        </p:blipFill>
+        <p:spPr bwMode="auto">
+          <a:xfrm>
+            <a:off x="150299" y="3106654"/>
+            <a:ext cx="1209679" cy="404221"/>
+          </a:xfrm>
+          <a:prstGeom prst="rect">
+            <a:avLst/>
+          </a:prstGeom>
+          <a:noFill/>
+          <a:extLst>
+            <a:ext uri="{909E8E84-426E-40DD-AFC4-6F175D3DCCD1}">
+              <a14:hiddenFill xmlns:a14="http://schemas.microsoft.com/office/drawing/2010/main">
+                <a:solidFill>
+                  <a:srgbClr val="FFFFFF"/>
+                </a:solidFill>
+              </a14:hiddenFill>
+            </a:ext>
+          </a:extLst>
+        </p:spPr>
+      </p:pic>
+      <p:pic>
+        <p:nvPicPr>
+          <p:cNvPr id="1032" name="Picture 8" descr="Pinecone Vector Database: A Complete ...">
+            <a:extLst>
+              <a:ext uri="{FF2B5EF4-FFF2-40B4-BE49-F238E27FC236}">
+                <a16:creationId xmlns:a16="http://schemas.microsoft.com/office/drawing/2014/main" id="{83D5BF66-6A74-7E55-838E-DEDEA57DB2B0}"/>
+              </a:ext>
+            </a:extLst>
+          </p:cNvPr>
+          <p:cNvPicPr>
+            <a:picLocks noChangeAspect="1" noChangeArrowheads="1"/>
+          </p:cNvPicPr>
+          <p:nvPr/>
+        </p:nvPicPr>
+        <p:blipFill>
+          <a:blip r:embed="rId13">
+            <a:extLst>
+              <a:ext uri="{28A0092B-C50C-407E-A947-70E740481C1C}">
+                <a14:useLocalDpi xmlns:a14="http://schemas.microsoft.com/office/drawing/2010/main" val="0"/>
+              </a:ext>
+            </a:extLst>
+          </a:blip>
+          <a:srcRect/>
+          <a:stretch>
+            <a:fillRect/>
+          </a:stretch>
+        </p:blipFill>
+        <p:spPr bwMode="auto">
+          <a:xfrm>
+            <a:off x="146875" y="1600668"/>
+            <a:ext cx="1216528" cy="404221"/>
+          </a:xfrm>
+          <a:prstGeom prst="rect">
+            <a:avLst/>
+          </a:prstGeom>
+          <a:noFill/>
+          <a:extLst>
+            <a:ext uri="{909E8E84-426E-40DD-AFC4-6F175D3DCCD1}">
+              <a14:hiddenFill xmlns:a14="http://schemas.microsoft.com/office/drawing/2010/main">
+                <a:solidFill>
+                  <a:srgbClr val="FFFFFF"/>
+                </a:solidFill>
+              </a14:hiddenFill>
+            </a:ext>
+          </a:extLst>
+        </p:spPr>
+      </p:pic>
+      <p:pic>
+        <p:nvPicPr>
+          <p:cNvPr id="1034" name="Picture 10" descr="Why is LangChain so Good?">
+            <a:extLst>
+              <a:ext uri="{FF2B5EF4-FFF2-40B4-BE49-F238E27FC236}">
+                <a16:creationId xmlns:a16="http://schemas.microsoft.com/office/drawing/2014/main" id="{117B84C9-F897-199B-6417-DB277AAD4874}"/>
+              </a:ext>
+            </a:extLst>
+          </p:cNvPr>
+          <p:cNvPicPr>
+            <a:picLocks noChangeAspect="1" noChangeArrowheads="1"/>
+          </p:cNvPicPr>
+          <p:nvPr/>
+        </p:nvPicPr>
+        <p:blipFill rotWithShape="1">
+          <a:blip r:embed="rId14">
+            <a:extLst>
+              <a:ext uri="{28A0092B-C50C-407E-A947-70E740481C1C}">
+                <a14:useLocalDpi xmlns:a14="http://schemas.microsoft.com/office/drawing/2010/main" val="0"/>
+              </a:ext>
+            </a:extLst>
+          </a:blip>
+          <a:srcRect l="15198" t="23829" r="10507" b="21572"/>
+          <a:stretch/>
+        </p:blipFill>
+        <p:spPr bwMode="auto">
+          <a:xfrm>
+            <a:off x="2133618" y="3148815"/>
+            <a:ext cx="1390415" cy="459240"/>
+          </a:xfrm>
+          <a:prstGeom prst="rect">
+            <a:avLst/>
+          </a:prstGeom>
+          <a:noFill/>
+          <a:extLst>
+            <a:ext uri="{909E8E84-426E-40DD-AFC4-6F175D3DCCD1}">
+              <a14:hiddenFill xmlns:a14="http://schemas.microsoft.com/office/drawing/2010/main">
+                <a:solidFill>
+                  <a:srgbClr val="FFFFFF"/>
+                </a:solidFill>
+              </a14:hiddenFill>
+            </a:ext>
+          </a:extLst>
+        </p:spPr>
+      </p:pic>
+      <p:pic>
+        <p:nvPicPr>
+          <p:cNvPr id="1036" name="Picture 12" descr="Gradio Course - Create User Interfaces ...">
+            <a:extLst>
+              <a:ext uri="{FF2B5EF4-FFF2-40B4-BE49-F238E27FC236}">
+                <a16:creationId xmlns:a16="http://schemas.microsoft.com/office/drawing/2014/main" id="{64A6AF59-A339-E867-59CB-545ECEAF6005}"/>
+              </a:ext>
+            </a:extLst>
+          </p:cNvPr>
+          <p:cNvPicPr>
+            <a:picLocks noChangeAspect="1" noChangeArrowheads="1"/>
+          </p:cNvPicPr>
+          <p:nvPr/>
+        </p:nvPicPr>
+        <p:blipFill rotWithShape="1">
+          <a:blip r:embed="rId15">
+            <a:extLst>
+              <a:ext uri="{28A0092B-C50C-407E-A947-70E740481C1C}">
+                <a14:useLocalDpi xmlns:a14="http://schemas.microsoft.com/office/drawing/2010/main" val="0"/>
+              </a:ext>
+            </a:extLst>
+          </a:blip>
+          <a:srcRect l="47561" t="10657" r="-3922" b="47626"/>
+          <a:stretch/>
+        </p:blipFill>
+        <p:spPr bwMode="auto">
+          <a:xfrm>
+            <a:off x="2179500" y="1488564"/>
+            <a:ext cx="1390415" cy="535977"/>
+          </a:xfrm>
+          <a:prstGeom prst="rect">
+            <a:avLst/>
+          </a:prstGeom>
+          <a:noFill/>
+          <a:extLst>
+            <a:ext uri="{909E8E84-426E-40DD-AFC4-6F175D3DCCD1}">
+              <a14:hiddenFill xmlns:a14="http://schemas.microsoft.com/office/drawing/2010/main">
+                <a:solidFill>
+                  <a:srgbClr val="FFFFFF"/>
+                </a:solidFill>
+              </a14:hiddenFill>
+            </a:ext>
+          </a:extLst>
+        </p:spPr>
+      </p:pic>
     </p:spTree>
     <p:extLst>
       <p:ext uri="{BB962C8B-B14F-4D97-AF65-F5344CB8AC3E}">
